--- a/sharp/1 Знакомство.pptx
+++ b/sharp/1 Знакомство.pptx
@@ -5,7 +5,7 @@
     <p:sldMasterId id="2147483648" r:id="rId1"/>
   </p:sldMasterIdLst>
   <p:notesMasterIdLst>
-    <p:notesMasterId r:id="rId14"/>
+    <p:notesMasterId r:id="rId16"/>
   </p:notesMasterIdLst>
   <p:sldIdLst>
     <p:sldId id="256" r:id="rId2"/>
@@ -14,12 +14,14 @@
     <p:sldId id="259" r:id="rId5"/>
     <p:sldId id="260" r:id="rId6"/>
     <p:sldId id="261" r:id="rId7"/>
-    <p:sldId id="264" r:id="rId8"/>
-    <p:sldId id="266" r:id="rId9"/>
-    <p:sldId id="267" r:id="rId10"/>
-    <p:sldId id="262" r:id="rId11"/>
-    <p:sldId id="265" r:id="rId12"/>
-    <p:sldId id="263" r:id="rId13"/>
+    <p:sldId id="266" r:id="rId8"/>
+    <p:sldId id="267" r:id="rId9"/>
+    <p:sldId id="262" r:id="rId10"/>
+    <p:sldId id="265" r:id="rId11"/>
+    <p:sldId id="268" r:id="rId12"/>
+    <p:sldId id="269" r:id="rId13"/>
+    <p:sldId id="270" r:id="rId14"/>
+    <p:sldId id="263" r:id="rId15"/>
   </p:sldIdLst>
   <p:sldSz cx="9144000" cy="6858000" type="screen4x3"/>
   <p:notesSz cx="6858000" cy="9144000"/>
@@ -204,7 +206,7 @@
             <a:fld id="{D42B9B73-3143-4350-BBED-DEE082F6FAFE}" type="datetimeFigureOut">
               <a:rPr lang="ru-RU" smtClean="0"/>
               <a:pPr/>
-              <a:t>17.02.2025</a:t>
+              <a:t>24.02.2026</a:t>
             </a:fld>
             <a:endParaRPr lang="ru-RU"/>
           </a:p>
@@ -734,7 +736,7 @@
             <a:fld id="{0FF7147C-2AAC-473E-AD87-1A0FFEE67DAA}" type="datetimeFigureOut">
               <a:rPr lang="ru-RU" smtClean="0"/>
               <a:pPr/>
-              <a:t>17.02.2025</a:t>
+              <a:t>24.02.2026</a:t>
             </a:fld>
             <a:endParaRPr lang="ru-RU"/>
           </a:p>
@@ -901,7 +903,7 @@
             <a:fld id="{0FF7147C-2AAC-473E-AD87-1A0FFEE67DAA}" type="datetimeFigureOut">
               <a:rPr lang="ru-RU" smtClean="0"/>
               <a:pPr/>
-              <a:t>17.02.2025</a:t>
+              <a:t>24.02.2026</a:t>
             </a:fld>
             <a:endParaRPr lang="ru-RU"/>
           </a:p>
@@ -1078,7 +1080,7 @@
             <a:fld id="{0FF7147C-2AAC-473E-AD87-1A0FFEE67DAA}" type="datetimeFigureOut">
               <a:rPr lang="ru-RU" smtClean="0"/>
               <a:pPr/>
-              <a:t>17.02.2025</a:t>
+              <a:t>24.02.2026</a:t>
             </a:fld>
             <a:endParaRPr lang="ru-RU"/>
           </a:p>
@@ -1245,7 +1247,7 @@
             <a:fld id="{0FF7147C-2AAC-473E-AD87-1A0FFEE67DAA}" type="datetimeFigureOut">
               <a:rPr lang="ru-RU" smtClean="0"/>
               <a:pPr/>
-              <a:t>17.02.2025</a:t>
+              <a:t>24.02.2026</a:t>
             </a:fld>
             <a:endParaRPr lang="ru-RU"/>
           </a:p>
@@ -1488,7 +1490,7 @@
             <a:fld id="{0FF7147C-2AAC-473E-AD87-1A0FFEE67DAA}" type="datetimeFigureOut">
               <a:rPr lang="ru-RU" smtClean="0"/>
               <a:pPr/>
-              <a:t>17.02.2025</a:t>
+              <a:t>24.02.2026</a:t>
             </a:fld>
             <a:endParaRPr lang="ru-RU"/>
           </a:p>
@@ -1773,7 +1775,7 @@
             <a:fld id="{0FF7147C-2AAC-473E-AD87-1A0FFEE67DAA}" type="datetimeFigureOut">
               <a:rPr lang="ru-RU" smtClean="0"/>
               <a:pPr/>
-              <a:t>17.02.2025</a:t>
+              <a:t>24.02.2026</a:t>
             </a:fld>
             <a:endParaRPr lang="ru-RU"/>
           </a:p>
@@ -2192,7 +2194,7 @@
             <a:fld id="{0FF7147C-2AAC-473E-AD87-1A0FFEE67DAA}" type="datetimeFigureOut">
               <a:rPr lang="ru-RU" smtClean="0"/>
               <a:pPr/>
-              <a:t>17.02.2025</a:t>
+              <a:t>24.02.2026</a:t>
             </a:fld>
             <a:endParaRPr lang="ru-RU"/>
           </a:p>
@@ -2307,7 +2309,7 @@
             <a:fld id="{0FF7147C-2AAC-473E-AD87-1A0FFEE67DAA}" type="datetimeFigureOut">
               <a:rPr lang="ru-RU" smtClean="0"/>
               <a:pPr/>
-              <a:t>17.02.2025</a:t>
+              <a:t>24.02.2026</a:t>
             </a:fld>
             <a:endParaRPr lang="ru-RU"/>
           </a:p>
@@ -2399,7 +2401,7 @@
             <a:fld id="{0FF7147C-2AAC-473E-AD87-1A0FFEE67DAA}" type="datetimeFigureOut">
               <a:rPr lang="ru-RU" smtClean="0"/>
               <a:pPr/>
-              <a:t>17.02.2025</a:t>
+              <a:t>24.02.2026</a:t>
             </a:fld>
             <a:endParaRPr lang="ru-RU"/>
           </a:p>
@@ -2673,7 +2675,7 @@
             <a:fld id="{0FF7147C-2AAC-473E-AD87-1A0FFEE67DAA}" type="datetimeFigureOut">
               <a:rPr lang="ru-RU" smtClean="0"/>
               <a:pPr/>
-              <a:t>17.02.2025</a:t>
+              <a:t>24.02.2026</a:t>
             </a:fld>
             <a:endParaRPr lang="ru-RU"/>
           </a:p>
@@ -2923,7 +2925,7 @@
             <a:fld id="{0FF7147C-2AAC-473E-AD87-1A0FFEE67DAA}" type="datetimeFigureOut">
               <a:rPr lang="ru-RU" smtClean="0"/>
               <a:pPr/>
-              <a:t>17.02.2025</a:t>
+              <a:t>24.02.2026</a:t>
             </a:fld>
             <a:endParaRPr lang="ru-RU"/>
           </a:p>
@@ -3133,7 +3135,7 @@
             <a:fld id="{0FF7147C-2AAC-473E-AD87-1A0FFEE67DAA}" type="datetimeFigureOut">
               <a:rPr lang="ru-RU" smtClean="0"/>
               <a:pPr/>
-              <a:t>17.02.2025</a:t>
+              <a:t>24.02.2026</a:t>
             </a:fld>
             <a:endParaRPr lang="ru-RU"/>
           </a:p>
@@ -3629,7 +3631,7 @@
         </p:nvSpPr>
         <p:spPr bwMode="auto">
           <a:xfrm>
-            <a:off x="0" y="714356"/>
+            <a:off x="0" y="1285860"/>
             <a:ext cx="9144000" cy="707886"/>
           </a:xfrm>
           <a:prstGeom prst="rect">
@@ -3683,73 +3685,7 @@
                 <a:latin typeface="Times New Roman" pitchFamily="18" charset="0"/>
                 <a:cs typeface="Times New Roman" pitchFamily="18" charset="0"/>
               </a:rPr>
-              <a:t>Можете создать два отдельных обработчика</a:t>
-            </a:r>
-            <a:r>
-              <a:rPr kumimoji="0" lang="en-US" sz="2000" b="0" i="0" u="none" strike="noStrike" cap="none" normalizeH="0" baseline="0" dirty="0" smtClean="0">
-                <a:ln>
-                  <a:noFill/>
-                </a:ln>
-                <a:solidFill>
-                  <a:srgbClr val="000000"/>
-                </a:solidFill>
-                <a:effectLst/>
-                <a:latin typeface="Times New Roman" pitchFamily="18" charset="0"/>
-                <a:cs typeface="Times New Roman" pitchFamily="18" charset="0"/>
-              </a:rPr>
-              <a:t> (</a:t>
-            </a:r>
-            <a:r>
-              <a:rPr kumimoji="0" lang="ru-RU" sz="2000" b="0" i="0" u="none" strike="noStrike" cap="none" normalizeH="0" baseline="0" dirty="0" smtClean="0">
-                <a:ln>
-                  <a:noFill/>
-                </a:ln>
-                <a:solidFill>
-                  <a:srgbClr val="000000"/>
-                </a:solidFill>
-                <a:effectLst/>
-                <a:latin typeface="Times New Roman" pitchFamily="18" charset="0"/>
-                <a:cs typeface="Times New Roman" pitchFamily="18" charset="0"/>
-              </a:rPr>
-              <a:t>двойной щелчок по </a:t>
-            </a:r>
-            <a:r>
-              <a:rPr lang="ru-RU" sz="2000" dirty="0" smtClean="0">
-                <a:solidFill>
-                  <a:srgbClr val="000000"/>
-                </a:solidFill>
-                <a:latin typeface="Times New Roman" pitchFamily="18" charset="0"/>
-                <a:cs typeface="Times New Roman" pitchFamily="18" charset="0"/>
-              </a:rPr>
-              <a:t>кнопке на редакторе</a:t>
-            </a:r>
-            <a:r>
-              <a:rPr kumimoji="0" lang="en-US" sz="2000" b="0" i="0" u="none" strike="noStrike" cap="none" normalizeH="0" baseline="0" dirty="0" smtClean="0">
-                <a:ln>
-                  <a:noFill/>
-                </a:ln>
-                <a:solidFill>
-                  <a:srgbClr val="000000"/>
-                </a:solidFill>
-                <a:effectLst/>
-                <a:latin typeface="Times New Roman" pitchFamily="18" charset="0"/>
-                <a:cs typeface="Times New Roman" pitchFamily="18" charset="0"/>
-              </a:rPr>
-              <a:t>)</a:t>
-            </a:r>
-            <a:r>
-              <a:rPr kumimoji="0" lang="ru-RU" sz="2000" b="0" i="0" u="none" strike="noStrike" cap="none" normalizeH="0" baseline="0" dirty="0" smtClean="0">
-                <a:ln>
-                  <a:noFill/>
-                </a:ln>
-                <a:solidFill>
-                  <a:srgbClr val="000000"/>
-                </a:solidFill>
-                <a:effectLst/>
-                <a:latin typeface="Times New Roman" pitchFamily="18" charset="0"/>
-                <a:cs typeface="Times New Roman" pitchFamily="18" charset="0"/>
-              </a:rPr>
-              <a:t> кнопок и прописать</a:t>
+              <a:t>А можете создать общий обработчик для двух кнопок и назначить</a:t>
             </a:r>
             <a:r>
               <a:rPr kumimoji="0" lang="ru-RU" sz="2000" b="0" i="0" u="none" strike="noStrike" cap="none" normalizeH="0" dirty="0" smtClean="0">
@@ -3763,21 +3699,7 @@
                 <a:latin typeface="Times New Roman" pitchFamily="18" charset="0"/>
                 <a:cs typeface="Times New Roman" pitchFamily="18" charset="0"/>
               </a:rPr>
-              <a:t> в них условия изменения </a:t>
-            </a:r>
-            <a:r>
-              <a:rPr kumimoji="0" lang="en-US" sz="2000" b="0" i="0" u="none" strike="noStrike" cap="none" normalizeH="0" dirty="0" smtClean="0">
-                <a:ln>
-                  <a:noFill/>
-                </a:ln>
-                <a:solidFill>
-                  <a:srgbClr val="000000"/>
-                </a:solidFill>
-                <a:effectLst/>
-                <a:latin typeface="Times New Roman" pitchFamily="18" charset="0"/>
-                <a:cs typeface="Times New Roman" pitchFamily="18" charset="0"/>
-              </a:rPr>
-              <a:t>Label</a:t>
+              <a:t> его при загрузке формы</a:t>
             </a:r>
             <a:endParaRPr kumimoji="0" lang="ru-RU" sz="2000" b="0" i="0" u="none" strike="noStrike" cap="none" normalizeH="0" baseline="0" dirty="0" smtClean="0">
               <a:ln>
@@ -3795,7 +3717,7 @@
       </p:sp>
       <p:pic>
         <p:nvPicPr>
-          <p:cNvPr id="7" name="Picture 2"/>
+          <p:cNvPr id="24578" name="Picture 2"/>
           <p:cNvPicPr>
             <a:picLocks noChangeAspect="1" noChangeArrowheads="1"/>
           </p:cNvPicPr>
@@ -3810,8 +3732,8 @@
         </p:blipFill>
         <p:spPr bwMode="auto">
           <a:xfrm>
-            <a:off x="500034" y="2000240"/>
-            <a:ext cx="2924175" cy="2962275"/>
+            <a:off x="142844" y="2143116"/>
+            <a:ext cx="5181600" cy="2876550"/>
           </a:xfrm>
           <a:prstGeom prst="rect">
             <a:avLst/>
@@ -3828,7 +3750,7 @@
       </p:pic>
       <p:pic>
         <p:nvPicPr>
-          <p:cNvPr id="8" name="Picture 3"/>
+          <p:cNvPr id="1026" name="Picture 2"/>
           <p:cNvPicPr>
             <a:picLocks noChangeAspect="1" noChangeArrowheads="1"/>
           </p:cNvPicPr>
@@ -3843,8 +3765,8 @@
         </p:blipFill>
         <p:spPr bwMode="auto">
           <a:xfrm>
-            <a:off x="5080025" y="1500174"/>
-            <a:ext cx="3556160" cy="5000636"/>
+            <a:off x="6143636" y="3714752"/>
+            <a:ext cx="2457446" cy="2395623"/>
           </a:xfrm>
           <a:prstGeom prst="rect">
             <a:avLst/>
@@ -3861,67 +3783,93 @@
       </p:pic>
       <p:sp>
         <p:nvSpPr>
-          <p:cNvPr id="9" name="Скругленный прямоугольник 8"/>
+          <p:cNvPr id="7" name="Прямоугольник 6"/>
           <p:cNvSpPr/>
           <p:nvPr/>
         </p:nvSpPr>
         <p:spPr>
           <a:xfrm>
-            <a:off x="857224" y="2428868"/>
-            <a:ext cx="2071702" cy="1785950"/>
-          </a:xfrm>
-          <a:prstGeom prst="roundRect">
-            <a:avLst/>
-          </a:prstGeom>
-          <a:noFill/>
+            <a:off x="5857852" y="2143116"/>
+            <a:ext cx="3286148" cy="1477328"/>
+          </a:xfrm>
+          <a:prstGeom prst="rect">
+            <a:avLst/>
+          </a:prstGeom>
+          <a:solidFill>
+            <a:schemeClr val="bg2"/>
+          </a:solidFill>
           <a:ln>
             <a:solidFill>
-              <a:srgbClr val="FF0000"/>
+              <a:schemeClr val="tx1"/>
             </a:solidFill>
           </a:ln>
         </p:spPr>
-        <p:style>
-          <a:lnRef idx="2">
-            <a:schemeClr val="accent1">
-              <a:shade val="50000"/>
-            </a:schemeClr>
-          </a:lnRef>
-          <a:fillRef idx="1">
-            <a:schemeClr val="accent1"/>
-          </a:fillRef>
-          <a:effectRef idx="0">
-            <a:schemeClr val="accent1"/>
-          </a:effectRef>
-          <a:fontRef idx="minor">
-            <a:schemeClr val="lt1"/>
-          </a:fontRef>
-        </p:style>
-        <p:txBody>
-          <a:bodyPr rtlCol="0" anchor="ctr"/>
-          <a:lstStyle/>
-          <a:p>
-            <a:pPr algn="ctr"/>
-            <a:endParaRPr lang="ru-RU"/>
+        <p:txBody>
+          <a:bodyPr wrap="square">
+            <a:spAutoFit/>
+          </a:bodyPr>
+          <a:lstStyle/>
+          <a:p>
+            <a:pPr algn="just"/>
+            <a:r>
+              <a:rPr lang="ru-RU" b="1" dirty="0" err="1" smtClean="0">
+                <a:latin typeface="Times New Roman" pitchFamily="18" charset="0"/>
+                <a:cs typeface="Times New Roman" pitchFamily="18" charset="0"/>
+              </a:rPr>
+              <a:t>Load</a:t>
+            </a:r>
+            <a:r>
+              <a:rPr lang="ru-RU" dirty="0" smtClean="0">
+                <a:latin typeface="Times New Roman" pitchFamily="18" charset="0"/>
+                <a:cs typeface="Times New Roman" pitchFamily="18" charset="0"/>
+              </a:rPr>
+              <a:t> — это событие, которое срабатывает перед первым отображением формы.</a:t>
+            </a:r>
+            <a:r>
+              <a:rPr lang="en-US" dirty="0" smtClean="0">
+                <a:latin typeface="Times New Roman" pitchFamily="18" charset="0"/>
+                <a:cs typeface="Times New Roman" pitchFamily="18" charset="0"/>
+              </a:rPr>
+              <a:t> (</a:t>
+            </a:r>
+            <a:r>
+              <a:rPr lang="ru-RU" dirty="0" smtClean="0">
+                <a:latin typeface="Times New Roman" pitchFamily="18" charset="0"/>
+                <a:cs typeface="Times New Roman" pitchFamily="18" charset="0"/>
+              </a:rPr>
+              <a:t>добавляется в код двойным щелчком по форме</a:t>
+            </a:r>
+            <a:r>
+              <a:rPr lang="en-US" dirty="0" smtClean="0">
+                <a:latin typeface="Times New Roman" pitchFamily="18" charset="0"/>
+                <a:cs typeface="Times New Roman" pitchFamily="18" charset="0"/>
+              </a:rPr>
+              <a:t>)</a:t>
+            </a:r>
+            <a:endParaRPr lang="ru-RU" dirty="0">
+              <a:latin typeface="Times New Roman" pitchFamily="18" charset="0"/>
+              <a:cs typeface="Times New Roman" pitchFamily="18" charset="0"/>
+            </a:endParaRPr>
           </a:p>
         </p:txBody>
       </p:sp>
       <p:cxnSp>
         <p:nvCxnSpPr>
-          <p:cNvPr id="10" name="Прямая со стрелкой 9"/>
+          <p:cNvPr id="8" name="Прямая со стрелкой 7"/>
           <p:cNvCxnSpPr>
-            <a:endCxn id="9" idx="0"/>
+            <a:stCxn id="7" idx="1"/>
           </p:cNvCxnSpPr>
           <p:nvPr/>
         </p:nvCxnSpPr>
         <p:spPr>
-          <a:xfrm rot="16200000" flipH="1">
-            <a:off x="1267994" y="1803787"/>
-            <a:ext cx="642940" cy="607221"/>
+          <a:xfrm rot="10800000">
+            <a:off x="1928794" y="2357430"/>
+            <a:ext cx="3929058" cy="524350"/>
           </a:xfrm>
           <a:prstGeom prst="straightConnector1">
             <a:avLst/>
           </a:prstGeom>
-          <a:ln w="25400">
+          <a:ln w="22225">
             <a:solidFill>
               <a:srgbClr val="FF0000"/>
             </a:solidFill>
@@ -3943,159 +3891,6 @@
           </a:fontRef>
         </p:style>
       </p:cxnSp>
-      <p:cxnSp>
-        <p:nvCxnSpPr>
-          <p:cNvPr id="11" name="Прямая соединительная линия 10"/>
-          <p:cNvCxnSpPr/>
-          <p:nvPr/>
-        </p:nvCxnSpPr>
-        <p:spPr>
-          <a:xfrm rot="10800000">
-            <a:off x="1285852" y="1785926"/>
-            <a:ext cx="2500330" cy="4275"/>
-          </a:xfrm>
-          <a:prstGeom prst="line">
-            <a:avLst/>
-          </a:prstGeom>
-          <a:ln w="25400">
-            <a:solidFill>
-              <a:srgbClr val="FF0000"/>
-            </a:solidFill>
-          </a:ln>
-        </p:spPr>
-        <p:style>
-          <a:lnRef idx="1">
-            <a:schemeClr val="accent1"/>
-          </a:lnRef>
-          <a:fillRef idx="0">
-            <a:schemeClr val="accent1"/>
-          </a:fillRef>
-          <a:effectRef idx="0">
-            <a:schemeClr val="accent1"/>
-          </a:effectRef>
-          <a:fontRef idx="minor">
-            <a:schemeClr val="tx1"/>
-          </a:fontRef>
-        </p:style>
-      </p:cxnSp>
-      <p:sp>
-        <p:nvSpPr>
-          <p:cNvPr id="13" name="Прямоугольник 12"/>
-          <p:cNvSpPr/>
-          <p:nvPr/>
-        </p:nvSpPr>
-        <p:spPr>
-          <a:xfrm>
-            <a:off x="1714480" y="1428736"/>
-            <a:ext cx="1714512" cy="338554"/>
-          </a:xfrm>
-          <a:prstGeom prst="rect">
-            <a:avLst/>
-          </a:prstGeom>
-        </p:spPr>
-        <p:txBody>
-          <a:bodyPr wrap="square">
-            <a:spAutoFit/>
-          </a:bodyPr>
-          <a:lstStyle/>
-          <a:p>
-            <a:pPr algn="just"/>
-            <a:r>
-              <a:rPr lang="ru-RU" sz="1600" dirty="0" smtClean="0">
-                <a:latin typeface="Times New Roman" pitchFamily="18" charset="0"/>
-                <a:cs typeface="Times New Roman" pitchFamily="18" charset="0"/>
-              </a:rPr>
-              <a:t>Двойной щелчок</a:t>
-            </a:r>
-            <a:endParaRPr lang="ru-RU" sz="1600" dirty="0"/>
-          </a:p>
-        </p:txBody>
-      </p:sp>
-      <p:cxnSp>
-        <p:nvCxnSpPr>
-          <p:cNvPr id="14" name="Прямая со стрелкой 13"/>
-          <p:cNvCxnSpPr>
-            <a:stCxn id="9" idx="3"/>
-            <a:endCxn id="15" idx="1"/>
-          </p:cNvCxnSpPr>
-          <p:nvPr/>
-        </p:nvCxnSpPr>
-        <p:spPr>
-          <a:xfrm>
-            <a:off x="2928926" y="3321843"/>
-            <a:ext cx="2571768" cy="2357454"/>
-          </a:xfrm>
-          <a:prstGeom prst="straightConnector1">
-            <a:avLst/>
-          </a:prstGeom>
-          <a:ln w="25400">
-            <a:solidFill>
-              <a:srgbClr val="FF0000"/>
-            </a:solidFill>
-            <a:tailEnd type="arrow"/>
-          </a:ln>
-        </p:spPr>
-        <p:style>
-          <a:lnRef idx="1">
-            <a:schemeClr val="accent1"/>
-          </a:lnRef>
-          <a:fillRef idx="0">
-            <a:schemeClr val="accent1"/>
-          </a:fillRef>
-          <a:effectRef idx="0">
-            <a:schemeClr val="accent1"/>
-          </a:effectRef>
-          <a:fontRef idx="minor">
-            <a:schemeClr val="tx1"/>
-          </a:fontRef>
-        </p:style>
-      </p:cxnSp>
-      <p:sp>
-        <p:nvSpPr>
-          <p:cNvPr id="15" name="Скругленный прямоугольник 14"/>
-          <p:cNvSpPr/>
-          <p:nvPr/>
-        </p:nvSpPr>
-        <p:spPr>
-          <a:xfrm>
-            <a:off x="5500694" y="5357826"/>
-            <a:ext cx="3000396" cy="642942"/>
-          </a:xfrm>
-          <a:prstGeom prst="roundRect">
-            <a:avLst/>
-          </a:prstGeom>
-          <a:noFill/>
-          <a:ln>
-            <a:solidFill>
-              <a:srgbClr val="FF0000"/>
-            </a:solidFill>
-          </a:ln>
-        </p:spPr>
-        <p:style>
-          <a:lnRef idx="2">
-            <a:schemeClr val="accent1">
-              <a:shade val="50000"/>
-            </a:schemeClr>
-          </a:lnRef>
-          <a:fillRef idx="1">
-            <a:schemeClr val="accent1"/>
-          </a:fillRef>
-          <a:effectRef idx="0">
-            <a:schemeClr val="accent1"/>
-          </a:effectRef>
-          <a:fontRef idx="minor">
-            <a:schemeClr val="lt1"/>
-          </a:fontRef>
-        </p:style>
-        <p:txBody>
-          <a:bodyPr rtlCol="0" anchor="ctr"/>
-          <a:lstStyle/>
-          <a:p>
-            <a:pPr algn="ctr"/>
-            <a:endParaRPr lang="ru-RU"/>
-          </a:p>
-        </p:txBody>
-      </p:sp>
     </p:spTree>
   </p:cSld>
   <p:clrMapOvr>
@@ -4130,6 +3925,54 @@
       </p:grpSpPr>
       <p:sp>
         <p:nvSpPr>
+          <p:cNvPr id="28" name="Прямоугольник 27"/>
+          <p:cNvSpPr/>
+          <p:nvPr/>
+        </p:nvSpPr>
+        <p:spPr>
+          <a:xfrm>
+            <a:off x="4929190" y="785794"/>
+            <a:ext cx="3143272" cy="1000132"/>
+          </a:xfrm>
+          <a:prstGeom prst="rect">
+            <a:avLst/>
+          </a:prstGeom>
+          <a:solidFill>
+            <a:schemeClr val="bg2"/>
+          </a:solidFill>
+          <a:ln>
+            <a:solidFill>
+              <a:schemeClr val="tx1"/>
+            </a:solidFill>
+          </a:ln>
+        </p:spPr>
+        <p:style>
+          <a:lnRef idx="2">
+            <a:schemeClr val="accent1">
+              <a:shade val="50000"/>
+            </a:schemeClr>
+          </a:lnRef>
+          <a:fillRef idx="1">
+            <a:schemeClr val="accent1"/>
+          </a:fillRef>
+          <a:effectRef idx="0">
+            <a:schemeClr val="accent1"/>
+          </a:effectRef>
+          <a:fontRef idx="minor">
+            <a:schemeClr val="lt1"/>
+          </a:fontRef>
+        </p:style>
+        <p:txBody>
+          <a:bodyPr rtlCol="0" anchor="ctr"/>
+          <a:lstStyle/>
+          <a:p>
+            <a:pPr algn="ctr"/>
+            <a:endParaRPr lang="ru-RU"/>
+          </a:p>
+        </p:txBody>
+      </p:sp>
+      <p:sp>
+        <p:nvSpPr>
           <p:cNvPr id="2" name="Заголовок 1"/>
           <p:cNvSpPr>
             <a:spLocks noGrp="1"/>
@@ -4140,13 +3983,13 @@
         </p:nvSpPr>
         <p:spPr>
           <a:xfrm>
-            <a:off x="428596" y="-285768"/>
+            <a:off x="428596" y="0"/>
             <a:ext cx="8229600" cy="1143000"/>
           </a:xfrm>
         </p:spPr>
         <p:txBody>
           <a:bodyPr>
-            <a:normAutofit/>
+            <a:normAutofit fontScale="90000"/>
           </a:bodyPr>
           <a:lstStyle/>
           <a:p>
@@ -4158,107 +4001,20 @@
               <a:rPr lang="en-US" b="1" dirty="0" smtClean="0"/>
               <a:t>2</a:t>
             </a:r>
+            <a:r>
+              <a:rPr lang="ru-RU" b="1" dirty="0" smtClean="0"/>
+              <a:t/>
+            </a:r>
+            <a:br>
+              <a:rPr lang="ru-RU" b="1" dirty="0" smtClean="0"/>
+            </a:br>
             <a:endParaRPr lang="ru-RU" dirty="0"/>
-          </a:p>
-        </p:txBody>
-      </p:sp>
-      <p:sp>
-        <p:nvSpPr>
-          <p:cNvPr id="6" name="Rectangle 3"/>
-          <p:cNvSpPr>
-            <a:spLocks noChangeArrowheads="1"/>
-          </p:cNvSpPr>
-          <p:nvPr/>
-        </p:nvSpPr>
-        <p:spPr bwMode="auto">
-          <a:xfrm>
-            <a:off x="0" y="785794"/>
-            <a:ext cx="9144000" cy="707886"/>
-          </a:xfrm>
-          <a:prstGeom prst="rect">
-            <a:avLst/>
-          </a:prstGeom>
-          <a:solidFill>
-            <a:srgbClr val="F7F7FA"/>
-          </a:solidFill>
-          <a:ln w="9525">
-            <a:noFill/>
-            <a:miter lim="800000"/>
-            <a:headEnd/>
-            <a:tailEnd/>
-          </a:ln>
-          <a:effectLst/>
-        </p:spPr>
-        <p:txBody>
-          <a:bodyPr vert="horz" wrap="square" lIns="91440" tIns="45720" rIns="91440" bIns="45720" numCol="1" anchor="ctr" anchorCtr="0" compatLnSpc="1">
-            <a:prstTxWarp prst="textNoShape">
-              <a:avLst/>
-            </a:prstTxWarp>
-            <a:spAutoFit/>
-          </a:bodyPr>
-          <a:lstStyle/>
-          <a:p>
-            <a:pPr marL="0" marR="0" lvl="0" indent="0" algn="just" defTabSz="914400" rtl="0" eaLnBrk="1" fontAlgn="base" latinLnBrk="0" hangingPunct="1">
-              <a:lnSpc>
-                <a:spcPct val="100000"/>
-              </a:lnSpc>
-              <a:spcBef>
-                <a:spcPct val="0"/>
-              </a:spcBef>
-              <a:spcAft>
-                <a:spcPct val="0"/>
-              </a:spcAft>
-              <a:buClrTx/>
-              <a:buSzTx/>
-              <a:buFontTx/>
-              <a:buNone/>
-              <a:tabLst/>
-            </a:pPr>
-            <a:r>
-              <a:rPr kumimoji="0" lang="ru-RU" sz="2000" b="0" i="0" u="none" strike="noStrike" cap="none" normalizeH="0" baseline="0" dirty="0" smtClean="0">
-                <a:ln>
-                  <a:noFill/>
-                </a:ln>
-                <a:solidFill>
-                  <a:srgbClr val="000000"/>
-                </a:solidFill>
-                <a:effectLst/>
-                <a:latin typeface="Times New Roman" pitchFamily="18" charset="0"/>
-                <a:cs typeface="Times New Roman" pitchFamily="18" charset="0"/>
-              </a:rPr>
-              <a:t>А можете создать общий обработчик для двух кнопок и назначить</a:t>
-            </a:r>
-            <a:r>
-              <a:rPr kumimoji="0" lang="ru-RU" sz="2000" b="0" i="0" u="none" strike="noStrike" cap="none" normalizeH="0" dirty="0" smtClean="0">
-                <a:ln>
-                  <a:noFill/>
-                </a:ln>
-                <a:solidFill>
-                  <a:srgbClr val="000000"/>
-                </a:solidFill>
-                <a:effectLst/>
-                <a:latin typeface="Times New Roman" pitchFamily="18" charset="0"/>
-                <a:cs typeface="Times New Roman" pitchFamily="18" charset="0"/>
-              </a:rPr>
-              <a:t> его при загрузке формы</a:t>
-            </a:r>
-            <a:endParaRPr kumimoji="0" lang="ru-RU" sz="2000" b="0" i="0" u="none" strike="noStrike" cap="none" normalizeH="0" baseline="0" dirty="0" smtClean="0">
-              <a:ln>
-                <a:noFill/>
-              </a:ln>
-              <a:solidFill>
-                <a:schemeClr val="tx1"/>
-              </a:solidFill>
-              <a:effectLst/>
-              <a:latin typeface="Times New Roman" pitchFamily="18" charset="0"/>
-              <a:cs typeface="Times New Roman" pitchFamily="18" charset="0"/>
-            </a:endParaRPr>
           </a:p>
         </p:txBody>
       </p:sp>
       <p:pic>
         <p:nvPicPr>
-          <p:cNvPr id="24578" name="Picture 2"/>
+          <p:cNvPr id="36866" name="Picture 2"/>
           <p:cNvPicPr>
             <a:picLocks noChangeAspect="1" noChangeArrowheads="1"/>
           </p:cNvPicPr>
@@ -4273,8 +4029,8 @@
         </p:blipFill>
         <p:spPr bwMode="auto">
           <a:xfrm>
-            <a:off x="142844" y="1643050"/>
-            <a:ext cx="5181600" cy="2876550"/>
+            <a:off x="1857356" y="1857364"/>
+            <a:ext cx="5575902" cy="2490792"/>
           </a:xfrm>
           <a:prstGeom prst="rect">
             <a:avLst/>
@@ -4289,49 +4045,257 @@
           <a:effectLst/>
         </p:spPr>
       </p:pic>
-      <p:pic>
-        <p:nvPicPr>
-          <p:cNvPr id="1026" name="Picture 2"/>
-          <p:cNvPicPr>
-            <a:picLocks noChangeAspect="1" noChangeArrowheads="1"/>
-          </p:cNvPicPr>
-          <p:nvPr/>
-        </p:nvPicPr>
-        <p:blipFill>
-          <a:blip r:embed="rId3"/>
-          <a:srcRect/>
-          <a:stretch>
-            <a:fillRect/>
-          </a:stretch>
-        </p:blipFill>
-        <p:spPr bwMode="auto">
-          <a:xfrm>
-            <a:off x="928662" y="4462377"/>
-            <a:ext cx="2457446" cy="2395623"/>
+      <p:sp>
+        <p:nvSpPr>
+          <p:cNvPr id="12" name="Скругленный прямоугольник 11"/>
+          <p:cNvSpPr/>
+          <p:nvPr/>
+        </p:nvSpPr>
+        <p:spPr>
+          <a:xfrm>
+            <a:off x="2357422" y="2143116"/>
+            <a:ext cx="1643074" cy="357190"/>
+          </a:xfrm>
+          <a:prstGeom prst="roundRect">
+            <a:avLst/>
+          </a:prstGeom>
+          <a:noFill/>
+          <a:ln>
+            <a:solidFill>
+              <a:srgbClr val="FF0000"/>
+            </a:solidFill>
+          </a:ln>
+        </p:spPr>
+        <p:style>
+          <a:lnRef idx="2">
+            <a:schemeClr val="accent1">
+              <a:shade val="50000"/>
+            </a:schemeClr>
+          </a:lnRef>
+          <a:fillRef idx="1">
+            <a:schemeClr val="accent1"/>
+          </a:fillRef>
+          <a:effectRef idx="0">
+            <a:schemeClr val="accent1"/>
+          </a:effectRef>
+          <a:fontRef idx="minor">
+            <a:schemeClr val="lt1"/>
+          </a:fontRef>
+        </p:style>
+        <p:txBody>
+          <a:bodyPr rtlCol="0" anchor="ctr"/>
+          <a:lstStyle/>
+          <a:p>
+            <a:pPr algn="ctr"/>
+            <a:endParaRPr lang="ru-RU"/>
+          </a:p>
+        </p:txBody>
+      </p:sp>
+      <p:cxnSp>
+        <p:nvCxnSpPr>
+          <p:cNvPr id="13" name="Прямая со стрелкой 12"/>
+          <p:cNvCxnSpPr>
+            <a:endCxn id="12" idx="0"/>
+          </p:cNvCxnSpPr>
+          <p:nvPr/>
+        </p:nvCxnSpPr>
+        <p:spPr>
+          <a:xfrm rot="16200000" flipH="1">
+            <a:off x="2375281" y="1339438"/>
+            <a:ext cx="857256" cy="750099"/>
+          </a:xfrm>
+          <a:prstGeom prst="straightConnector1">
+            <a:avLst/>
+          </a:prstGeom>
+          <a:ln w="25400">
+            <a:solidFill>
+              <a:srgbClr val="FF0000"/>
+            </a:solidFill>
+            <a:tailEnd type="arrow"/>
+          </a:ln>
+        </p:spPr>
+        <p:style>
+          <a:lnRef idx="1">
+            <a:schemeClr val="accent1"/>
+          </a:lnRef>
+          <a:fillRef idx="0">
+            <a:schemeClr val="accent1"/>
+          </a:fillRef>
+          <a:effectRef idx="0">
+            <a:schemeClr val="accent1"/>
+          </a:effectRef>
+          <a:fontRef idx="minor">
+            <a:schemeClr val="tx1"/>
+          </a:fontRef>
+        </p:style>
+      </p:cxnSp>
+      <p:cxnSp>
+        <p:nvCxnSpPr>
+          <p:cNvPr id="18" name="Прямая соединительная линия 17"/>
+          <p:cNvCxnSpPr/>
+          <p:nvPr/>
+        </p:nvCxnSpPr>
+        <p:spPr>
+          <a:xfrm rot="10800000">
+            <a:off x="2428860" y="1285860"/>
+            <a:ext cx="2500330" cy="4275"/>
+          </a:xfrm>
+          <a:prstGeom prst="line">
+            <a:avLst/>
+          </a:prstGeom>
+          <a:ln w="25400">
+            <a:solidFill>
+              <a:srgbClr val="FF0000"/>
+            </a:solidFill>
+          </a:ln>
+        </p:spPr>
+        <p:style>
+          <a:lnRef idx="1">
+            <a:schemeClr val="accent1"/>
+          </a:lnRef>
+          <a:fillRef idx="0">
+            <a:schemeClr val="accent1"/>
+          </a:fillRef>
+          <a:effectRef idx="0">
+            <a:schemeClr val="accent1"/>
+          </a:effectRef>
+          <a:fontRef idx="minor">
+            <a:schemeClr val="tx1"/>
+          </a:fontRef>
+        </p:style>
+      </p:cxnSp>
+      <p:sp>
+        <p:nvSpPr>
+          <p:cNvPr id="19" name="Прямоугольник 18"/>
+          <p:cNvSpPr/>
+          <p:nvPr/>
+        </p:nvSpPr>
+        <p:spPr>
+          <a:xfrm>
+            <a:off x="4929190" y="857232"/>
+            <a:ext cx="3000396" cy="830997"/>
           </a:xfrm>
           <a:prstGeom prst="rect">
             <a:avLst/>
           </a:prstGeom>
+        </p:spPr>
+        <p:txBody>
+          <a:bodyPr wrap="square">
+            <a:spAutoFit/>
+          </a:bodyPr>
+          <a:lstStyle/>
+          <a:p>
+            <a:pPr algn="just"/>
+            <a:r>
+              <a:rPr lang="ru-RU" sz="1600" dirty="0" smtClean="0">
+                <a:latin typeface="Times New Roman" pitchFamily="18" charset="0"/>
+                <a:cs typeface="Times New Roman" pitchFamily="18" charset="0"/>
+              </a:rPr>
+              <a:t>Изменить содержание текстового поля по его идентификатору </a:t>
+            </a:r>
+            <a:r>
+              <a:rPr lang="en-US" sz="1600" b="1" dirty="0" smtClean="0">
+                <a:latin typeface="Times New Roman" pitchFamily="18" charset="0"/>
+                <a:cs typeface="Times New Roman" pitchFamily="18" charset="0"/>
+              </a:rPr>
+              <a:t>Design (Name)</a:t>
+            </a:r>
+            <a:endParaRPr lang="ru-RU" sz="1600" b="1" dirty="0"/>
+          </a:p>
+        </p:txBody>
+      </p:sp>
+      <p:sp>
+        <p:nvSpPr>
+          <p:cNvPr id="20" name="Скругленный прямоугольник 19"/>
+          <p:cNvSpPr/>
+          <p:nvPr/>
+        </p:nvSpPr>
+        <p:spPr>
+          <a:xfrm>
+            <a:off x="2214546" y="2928934"/>
+            <a:ext cx="3071834" cy="1214446"/>
+          </a:xfrm>
+          <a:prstGeom prst="roundRect">
+            <a:avLst/>
+          </a:prstGeom>
           <a:noFill/>
-          <a:ln w="9525">
-            <a:noFill/>
-            <a:miter lim="800000"/>
-            <a:headEnd/>
-            <a:tailEnd/>
+          <a:ln>
+            <a:solidFill>
+              <a:srgbClr val="FF0000"/>
+            </a:solidFill>
           </a:ln>
-          <a:effectLst/>
-        </p:spPr>
-      </p:pic>
-      <p:sp>
-        <p:nvSpPr>
-          <p:cNvPr id="7" name="Прямоугольник 6"/>
+        </p:spPr>
+        <p:style>
+          <a:lnRef idx="2">
+            <a:schemeClr val="accent1">
+              <a:shade val="50000"/>
+            </a:schemeClr>
+          </a:lnRef>
+          <a:fillRef idx="1">
+            <a:schemeClr val="accent1"/>
+          </a:fillRef>
+          <a:effectRef idx="0">
+            <a:schemeClr val="accent1"/>
+          </a:effectRef>
+          <a:fontRef idx="minor">
+            <a:schemeClr val="lt1"/>
+          </a:fontRef>
+        </p:style>
+        <p:txBody>
+          <a:bodyPr rtlCol="0" anchor="ctr"/>
+          <a:lstStyle/>
+          <a:p>
+            <a:pPr algn="ctr"/>
+            <a:endParaRPr lang="ru-RU"/>
+          </a:p>
+        </p:txBody>
+      </p:sp>
+      <p:cxnSp>
+        <p:nvCxnSpPr>
+          <p:cNvPr id="21" name="Прямая со стрелкой 20"/>
+          <p:cNvCxnSpPr/>
+          <p:nvPr/>
+        </p:nvCxnSpPr>
+        <p:spPr>
+          <a:xfrm rot="10800000">
+            <a:off x="2857488" y="4143383"/>
+            <a:ext cx="1428761" cy="1402427"/>
+          </a:xfrm>
+          <a:prstGeom prst="straightConnector1">
+            <a:avLst/>
+          </a:prstGeom>
+          <a:ln w="25400">
+            <a:solidFill>
+              <a:srgbClr val="FF0000"/>
+            </a:solidFill>
+            <a:tailEnd type="arrow"/>
+          </a:ln>
+        </p:spPr>
+        <p:style>
+          <a:lnRef idx="1">
+            <a:schemeClr val="accent1"/>
+          </a:lnRef>
+          <a:fillRef idx="0">
+            <a:schemeClr val="accent1"/>
+          </a:fillRef>
+          <a:effectRef idx="0">
+            <a:schemeClr val="accent1"/>
+          </a:effectRef>
+          <a:fontRef idx="minor">
+            <a:schemeClr val="tx1"/>
+          </a:fontRef>
+        </p:style>
+      </p:cxnSp>
+      <p:sp>
+        <p:nvSpPr>
+          <p:cNvPr id="16" name="Прямоугольник 15"/>
           <p:cNvSpPr/>
           <p:nvPr/>
         </p:nvSpPr>
         <p:spPr>
           <a:xfrm>
-            <a:off x="5857852" y="1643050"/>
-            <a:ext cx="3286148" cy="1477328"/>
+            <a:off x="4286248" y="4929198"/>
+            <a:ext cx="3214678" cy="1384995"/>
           </a:xfrm>
           <a:prstGeom prst="rect">
             <a:avLst/>
@@ -4353,41 +4317,93 @@
           <a:p>
             <a:pPr algn="just"/>
             <a:r>
-              <a:rPr lang="ru-RU" b="1" dirty="0" err="1" smtClean="0">
-                <a:latin typeface="Times New Roman" pitchFamily="18" charset="0"/>
-                <a:cs typeface="Times New Roman" pitchFamily="18" charset="0"/>
-              </a:rPr>
-              <a:t>Load</a:t>
-            </a:r>
-            <a:r>
-              <a:rPr lang="ru-RU" dirty="0" smtClean="0">
-                <a:latin typeface="Times New Roman" pitchFamily="18" charset="0"/>
-                <a:cs typeface="Times New Roman" pitchFamily="18" charset="0"/>
-              </a:rPr>
-              <a:t> — это событие, которое срабатывает перед первым отображением формы.</a:t>
-            </a:r>
-            <a:r>
-              <a:rPr lang="en-US" dirty="0" smtClean="0">
-                <a:latin typeface="Times New Roman" pitchFamily="18" charset="0"/>
-                <a:cs typeface="Times New Roman" pitchFamily="18" charset="0"/>
-              </a:rPr>
-              <a:t> (</a:t>
-            </a:r>
-            <a:r>
-              <a:rPr lang="ru-RU" dirty="0" smtClean="0">
-                <a:latin typeface="Times New Roman" pitchFamily="18" charset="0"/>
-                <a:cs typeface="Times New Roman" pitchFamily="18" charset="0"/>
-              </a:rPr>
-              <a:t>добавляется в код двойным щелчком по форме</a:t>
-            </a:r>
-            <a:r>
-              <a:rPr lang="en-US" dirty="0" smtClean="0">
-                <a:latin typeface="Times New Roman" pitchFamily="18" charset="0"/>
-                <a:cs typeface="Times New Roman" pitchFamily="18" charset="0"/>
-              </a:rPr>
-              <a:t>)</a:t>
-            </a:r>
-            <a:endParaRPr lang="ru-RU" dirty="0">
+              <a:rPr lang="ru-RU" sz="1400" dirty="0" smtClean="0">
+                <a:latin typeface="Times New Roman" pitchFamily="18" charset="0"/>
+                <a:cs typeface="Times New Roman" pitchFamily="18" charset="0"/>
+              </a:rPr>
+              <a:t>При выборе соответствующего пункта необходимо изменять содержание текстового поля по его идентификатору </a:t>
+            </a:r>
+            <a:r>
+              <a:rPr lang="en-US" sz="1400" b="1" dirty="0" smtClean="0">
+                <a:latin typeface="Times New Roman" pitchFamily="18" charset="0"/>
+                <a:cs typeface="Times New Roman" pitchFamily="18" charset="0"/>
+              </a:rPr>
+              <a:t>Design (Name)</a:t>
+            </a:r>
+            <a:r>
+              <a:rPr lang="ru-RU" sz="1400" dirty="0" smtClean="0">
+                <a:latin typeface="Times New Roman" pitchFamily="18" charset="0"/>
+                <a:cs typeface="Times New Roman" pitchFamily="18" charset="0"/>
+              </a:rPr>
+              <a:t>.</a:t>
+            </a:r>
+          </a:p>
+          <a:p>
+            <a:pPr algn="just"/>
+            <a:r>
+              <a:rPr lang="ru-RU" sz="1400" i="1" dirty="0" smtClean="0">
+                <a:solidFill>
+                  <a:srgbClr val="FF0000"/>
+                </a:solidFill>
+                <a:latin typeface="Times New Roman" pitchFamily="18" charset="0"/>
+                <a:cs typeface="Times New Roman" pitchFamily="18" charset="0"/>
+              </a:rPr>
+              <a:t>Примечание: после каждого </a:t>
+            </a:r>
+            <a:r>
+              <a:rPr lang="en-US" sz="1400" b="1" i="1" dirty="0" smtClean="0">
+                <a:solidFill>
+                  <a:srgbClr val="FF0000"/>
+                </a:solidFill>
+                <a:latin typeface="Times New Roman" pitchFamily="18" charset="0"/>
+                <a:cs typeface="Times New Roman" pitchFamily="18" charset="0"/>
+              </a:rPr>
+              <a:t>case</a:t>
+            </a:r>
+            <a:r>
+              <a:rPr lang="en-US" sz="1400" i="1" dirty="0" smtClean="0">
+                <a:solidFill>
+                  <a:srgbClr val="FF0000"/>
+                </a:solidFill>
+                <a:latin typeface="Times New Roman" pitchFamily="18" charset="0"/>
+                <a:cs typeface="Times New Roman" pitchFamily="18" charset="0"/>
+              </a:rPr>
+              <a:t> </a:t>
+            </a:r>
+            <a:r>
+              <a:rPr lang="ru-RU" sz="1400" i="1" dirty="0" smtClean="0">
+                <a:solidFill>
+                  <a:srgbClr val="FF0000"/>
+                </a:solidFill>
+                <a:latin typeface="Times New Roman" pitchFamily="18" charset="0"/>
+                <a:cs typeface="Times New Roman" pitchFamily="18" charset="0"/>
+              </a:rPr>
+              <a:t>должен идти свой </a:t>
+            </a:r>
+            <a:r>
+              <a:rPr lang="en-US" sz="1400" b="1" i="1" dirty="0" smtClean="0">
+                <a:solidFill>
+                  <a:srgbClr val="FF0000"/>
+                </a:solidFill>
+                <a:latin typeface="Times New Roman" pitchFamily="18" charset="0"/>
+                <a:cs typeface="Times New Roman" pitchFamily="18" charset="0"/>
+              </a:rPr>
+              <a:t>break</a:t>
+            </a:r>
+            <a:r>
+              <a:rPr lang="en-US" sz="1400" i="1" dirty="0" smtClean="0">
+                <a:solidFill>
+                  <a:srgbClr val="FF0000"/>
+                </a:solidFill>
+                <a:latin typeface="Times New Roman" pitchFamily="18" charset="0"/>
+                <a:cs typeface="Times New Roman" pitchFamily="18" charset="0"/>
+              </a:rPr>
+              <a:t>;</a:t>
+            </a:r>
+            <a:endParaRPr lang="ru-RU" sz="1400" i="1" dirty="0">
+              <a:solidFill>
+                <a:srgbClr val="FF0000"/>
+              </a:solidFill>
               <a:latin typeface="Times New Roman" pitchFamily="18" charset="0"/>
               <a:cs typeface="Times New Roman" pitchFamily="18" charset="0"/>
             </a:endParaRPr>
@@ -4396,21 +4412,21 @@
       </p:sp>
       <p:cxnSp>
         <p:nvCxnSpPr>
-          <p:cNvPr id="8" name="Прямая со стрелкой 7"/>
+          <p:cNvPr id="14" name="Прямая со стрелкой 13"/>
           <p:cNvCxnSpPr>
-            <a:stCxn id="7" idx="1"/>
+            <a:stCxn id="15" idx="2"/>
           </p:cNvCxnSpPr>
           <p:nvPr/>
         </p:nvCxnSpPr>
         <p:spPr>
-          <a:xfrm rot="10800000">
-            <a:off x="1928794" y="1857364"/>
-            <a:ext cx="3929058" cy="524350"/>
+          <a:xfrm rot="16200000" flipH="1">
+            <a:off x="1136128" y="1814798"/>
+            <a:ext cx="906670" cy="892975"/>
           </a:xfrm>
           <a:prstGeom prst="straightConnector1">
             <a:avLst/>
           </a:prstGeom>
-          <a:ln w="22225">
+          <a:ln w="25400">
             <a:solidFill>
               <a:srgbClr val="FF0000"/>
             </a:solidFill>
@@ -4432,52 +4448,16 @@
           </a:fontRef>
         </p:style>
       </p:cxnSp>
-      <p:cxnSp>
-        <p:nvCxnSpPr>
-          <p:cNvPr id="9" name="Прямая со стрелкой 8"/>
-          <p:cNvCxnSpPr/>
-          <p:nvPr/>
-        </p:nvCxnSpPr>
-        <p:spPr>
-          <a:xfrm rot="10800000" flipV="1">
-            <a:off x="3286116" y="5214950"/>
-            <a:ext cx="1000132" cy="428628"/>
-          </a:xfrm>
-          <a:prstGeom prst="straightConnector1">
-            <a:avLst/>
-          </a:prstGeom>
-          <a:ln w="22225">
-            <a:solidFill>
-              <a:srgbClr val="FF0000"/>
-            </a:solidFill>
-            <a:tailEnd type="arrow"/>
-          </a:ln>
-        </p:spPr>
-        <p:style>
-          <a:lnRef idx="1">
-            <a:schemeClr val="accent1"/>
-          </a:lnRef>
-          <a:fillRef idx="0">
-            <a:schemeClr val="accent1"/>
-          </a:fillRef>
-          <a:effectRef idx="0">
-            <a:schemeClr val="accent1"/>
-          </a:effectRef>
-          <a:fontRef idx="minor">
-            <a:schemeClr val="tx1"/>
-          </a:fontRef>
-        </p:style>
-      </p:cxnSp>
-      <p:sp>
-        <p:nvSpPr>
-          <p:cNvPr id="11" name="Прямоугольник 10"/>
+      <p:sp>
+        <p:nvSpPr>
+          <p:cNvPr id="15" name="Прямоугольник 14"/>
           <p:cNvSpPr/>
           <p:nvPr/>
         </p:nvSpPr>
         <p:spPr>
           <a:xfrm>
-            <a:off x="4286248" y="5000636"/>
-            <a:ext cx="3286148" cy="369332"/>
+            <a:off x="-32" y="1500174"/>
+            <a:ext cx="2286016" cy="307777"/>
           </a:xfrm>
           <a:prstGeom prst="rect">
             <a:avLst/>
@@ -4499,13 +4479,16 @@
           <a:p>
             <a:pPr algn="just"/>
             <a:r>
-              <a:rPr lang="ru-RU" b="1" dirty="0" smtClean="0">
-                <a:latin typeface="Times New Roman" pitchFamily="18" charset="0"/>
-                <a:cs typeface="Times New Roman" pitchFamily="18" charset="0"/>
-              </a:rPr>
-              <a:t>Возможный внешний вид</a:t>
-            </a:r>
-            <a:endParaRPr lang="ru-RU" dirty="0">
+              <a:rPr lang="ru-RU" sz="1400" dirty="0" smtClean="0">
+                <a:latin typeface="Times New Roman" pitchFamily="18" charset="0"/>
+                <a:cs typeface="Times New Roman" pitchFamily="18" charset="0"/>
+              </a:rPr>
+              <a:t>Двойной щелчок по списку</a:t>
+            </a:r>
+            <a:endParaRPr lang="ru-RU" sz="1400" i="1" dirty="0">
+              <a:solidFill>
+                <a:srgbClr val="FF0000"/>
+              </a:solidFill>
               <a:latin typeface="Times New Roman" pitchFamily="18" charset="0"/>
               <a:cs typeface="Times New Roman" pitchFamily="18" charset="0"/>
             </a:endParaRPr>
@@ -4546,14 +4529,98 @@
       </p:grpSpPr>
       <p:sp>
         <p:nvSpPr>
-          <p:cNvPr id="11" name="Прямоугольник 10"/>
+          <p:cNvPr id="2" name="Заголовок 1"/>
+          <p:cNvSpPr>
+            <a:spLocks noGrp="1"/>
+          </p:cNvSpPr>
+          <p:nvPr>
+            <p:ph type="title"/>
+          </p:nvPr>
+        </p:nvSpPr>
+        <p:spPr>
+          <a:xfrm>
+            <a:off x="428596" y="0"/>
+            <a:ext cx="8229600" cy="1143000"/>
+          </a:xfrm>
+        </p:spPr>
+        <p:txBody>
+          <a:bodyPr>
+            <a:normAutofit fontScale="90000"/>
+          </a:bodyPr>
+          <a:lstStyle/>
+          <a:p>
+            <a:r>
+              <a:rPr lang="ru-RU" b="1" dirty="0" smtClean="0"/>
+              <a:t>Задание </a:t>
+            </a:r>
+            <a:r>
+              <a:rPr lang="en-US" b="1" dirty="0" smtClean="0"/>
+              <a:t>2 (</a:t>
+            </a:r>
+            <a:r>
+              <a:rPr lang="ru-RU" b="1" dirty="0" smtClean="0"/>
+              <a:t>б</a:t>
+            </a:r>
+            <a:r>
+              <a:rPr lang="en-US" b="1" dirty="0" smtClean="0"/>
+              <a:t>)</a:t>
+            </a:r>
+            <a:r>
+              <a:rPr lang="ru-RU" b="1" dirty="0" smtClean="0"/>
+              <a:t/>
+            </a:r>
+            <a:br>
+              <a:rPr lang="ru-RU" b="1" dirty="0" smtClean="0"/>
+            </a:br>
+            <a:endParaRPr lang="ru-RU" dirty="0"/>
+          </a:p>
+        </p:txBody>
+      </p:sp>
+      <p:pic>
+        <p:nvPicPr>
+          <p:cNvPr id="1026" name="Picture 2"/>
+          <p:cNvPicPr>
+            <a:picLocks noChangeAspect="1" noChangeArrowheads="1"/>
+          </p:cNvPicPr>
+          <p:nvPr/>
+        </p:nvPicPr>
+        <p:blipFill>
+          <a:blip r:embed="rId2"/>
+          <a:srcRect/>
+          <a:stretch>
+            <a:fillRect/>
+          </a:stretch>
+        </p:blipFill>
+        <p:spPr bwMode="auto">
+          <a:xfrm>
+            <a:off x="214282" y="714356"/>
+            <a:ext cx="4630532" cy="3429024"/>
+          </a:xfrm>
+          <a:prstGeom prst="rect">
+            <a:avLst/>
+          </a:prstGeom>
+          <a:noFill/>
+          <a:ln w="9525">
+            <a:solidFill>
+              <a:schemeClr val="tx1"/>
+            </a:solidFill>
+            <a:miter lim="800000"/>
+            <a:headEnd/>
+            <a:tailEnd/>
+          </a:ln>
+          <a:effectLst/>
+        </p:spPr>
+      </p:pic>
+      <p:sp>
+        <p:nvSpPr>
+          <p:cNvPr id="14" name="Прямоугольник 13"/>
           <p:cNvSpPr/>
           <p:nvPr/>
         </p:nvSpPr>
         <p:spPr>
           <a:xfrm>
-            <a:off x="0" y="2928934"/>
-            <a:ext cx="9144000" cy="3929066"/>
+            <a:off x="5429256" y="571480"/>
+            <a:ext cx="3286148" cy="1477328"/>
           </a:xfrm>
           <a:prstGeom prst="rect">
             <a:avLst/>
@@ -4562,7 +4629,674 @@
             <a:schemeClr val="bg2"/>
           </a:solidFill>
           <a:ln>
+            <a:solidFill>
+              <a:schemeClr val="tx1"/>
+            </a:solidFill>
+          </a:ln>
+        </p:spPr>
+        <p:txBody>
+          <a:bodyPr wrap="square">
+            <a:spAutoFit/>
+          </a:bodyPr>
+          <a:lstStyle/>
+          <a:p>
+            <a:pPr algn="just"/>
+            <a:r>
+              <a:rPr lang="ru-RU" b="1" dirty="0" err="1" smtClean="0">
+                <a:latin typeface="Times New Roman" pitchFamily="18" charset="0"/>
+                <a:cs typeface="Times New Roman" pitchFamily="18" charset="0"/>
+              </a:rPr>
+              <a:t>Load</a:t>
+            </a:r>
+            <a:r>
+              <a:rPr lang="ru-RU" dirty="0" smtClean="0">
+                <a:latin typeface="Times New Roman" pitchFamily="18" charset="0"/>
+                <a:cs typeface="Times New Roman" pitchFamily="18" charset="0"/>
+              </a:rPr>
+              <a:t> — это событие, которое срабатывает перед первым отображением формы.</a:t>
+            </a:r>
+            <a:r>
+              <a:rPr lang="en-US" dirty="0" smtClean="0">
+                <a:latin typeface="Times New Roman" pitchFamily="18" charset="0"/>
+                <a:cs typeface="Times New Roman" pitchFamily="18" charset="0"/>
+              </a:rPr>
+              <a:t> (</a:t>
+            </a:r>
+            <a:r>
+              <a:rPr lang="ru-RU" dirty="0" smtClean="0">
+                <a:latin typeface="Times New Roman" pitchFamily="18" charset="0"/>
+                <a:cs typeface="Times New Roman" pitchFamily="18" charset="0"/>
+              </a:rPr>
+              <a:t>добавляется в код двойным щелчком по форме</a:t>
+            </a:r>
+            <a:r>
+              <a:rPr lang="en-US" dirty="0" smtClean="0">
+                <a:latin typeface="Times New Roman" pitchFamily="18" charset="0"/>
+                <a:cs typeface="Times New Roman" pitchFamily="18" charset="0"/>
+              </a:rPr>
+              <a:t>)</a:t>
+            </a:r>
+            <a:endParaRPr lang="ru-RU" dirty="0">
+              <a:latin typeface="Times New Roman" pitchFamily="18" charset="0"/>
+              <a:cs typeface="Times New Roman" pitchFamily="18" charset="0"/>
+            </a:endParaRPr>
+          </a:p>
+        </p:txBody>
+      </p:sp>
+      <p:cxnSp>
+        <p:nvCxnSpPr>
+          <p:cNvPr id="17" name="Прямая со стрелкой 16"/>
+          <p:cNvCxnSpPr>
+            <a:stCxn id="14" idx="1"/>
+          </p:cNvCxnSpPr>
+          <p:nvPr/>
+        </p:nvCxnSpPr>
+        <p:spPr>
+          <a:xfrm rot="10800000">
+            <a:off x="1857356" y="1214422"/>
+            <a:ext cx="3571900" cy="95722"/>
+          </a:xfrm>
+          <a:prstGeom prst="straightConnector1">
+            <a:avLst/>
+          </a:prstGeom>
+          <a:ln w="22225">
+            <a:solidFill>
+              <a:srgbClr val="FF0000"/>
+            </a:solidFill>
+            <a:tailEnd type="arrow"/>
+          </a:ln>
+        </p:spPr>
+        <p:style>
+          <a:lnRef idx="1">
+            <a:schemeClr val="accent1"/>
+          </a:lnRef>
+          <a:fillRef idx="0">
+            <a:schemeClr val="accent1"/>
+          </a:fillRef>
+          <a:effectRef idx="0">
+            <a:schemeClr val="accent1"/>
+          </a:effectRef>
+          <a:fontRef idx="minor">
+            <a:schemeClr val="tx1"/>
+          </a:fontRef>
+        </p:style>
+      </p:cxnSp>
+      <p:pic>
+        <p:nvPicPr>
+          <p:cNvPr id="1028" name="Picture 4"/>
+          <p:cNvPicPr>
+            <a:picLocks noChangeAspect="1" noChangeArrowheads="1"/>
+          </p:cNvPicPr>
+          <p:nvPr/>
+        </p:nvPicPr>
+        <p:blipFill>
+          <a:blip r:embed="rId3"/>
+          <a:srcRect/>
+          <a:stretch>
+            <a:fillRect/>
+          </a:stretch>
+        </p:blipFill>
+        <p:spPr bwMode="auto">
+          <a:xfrm>
+            <a:off x="3857620" y="4500570"/>
+            <a:ext cx="4548190" cy="909638"/>
+          </a:xfrm>
+          <a:prstGeom prst="rect">
+            <a:avLst/>
+          </a:prstGeom>
+          <a:noFill/>
+          <a:ln w="9525">
+            <a:solidFill>
+              <a:schemeClr val="tx1"/>
+            </a:solidFill>
+            <a:miter lim="800000"/>
+            <a:headEnd/>
+            <a:tailEnd/>
+          </a:ln>
+          <a:effectLst/>
+        </p:spPr>
+      </p:pic>
+      <p:pic>
+        <p:nvPicPr>
+          <p:cNvPr id="1029" name="Picture 5"/>
+          <p:cNvPicPr>
+            <a:picLocks noChangeAspect="1" noChangeArrowheads="1"/>
+          </p:cNvPicPr>
+          <p:nvPr/>
+        </p:nvPicPr>
+        <p:blipFill>
+          <a:blip r:embed="rId4"/>
+          <a:srcRect/>
+          <a:stretch>
+            <a:fillRect/>
+          </a:stretch>
+        </p:blipFill>
+        <p:spPr bwMode="auto">
+          <a:xfrm>
+            <a:off x="428596" y="5857892"/>
+            <a:ext cx="3371850" cy="695325"/>
+          </a:xfrm>
+          <a:prstGeom prst="rect">
+            <a:avLst/>
+          </a:prstGeom>
+          <a:noFill/>
+          <a:ln w="9525">
+            <a:solidFill>
+              <a:schemeClr val="tx1"/>
+            </a:solidFill>
+            <a:miter lim="800000"/>
+            <a:headEnd/>
+            <a:tailEnd/>
+          </a:ln>
+          <a:effectLst/>
+        </p:spPr>
+      </p:pic>
+      <p:cxnSp>
+        <p:nvCxnSpPr>
+          <p:cNvPr id="23" name="Прямая со стрелкой 22"/>
+          <p:cNvCxnSpPr/>
+          <p:nvPr/>
+        </p:nvCxnSpPr>
+        <p:spPr>
+          <a:xfrm>
+            <a:off x="3357554" y="3929066"/>
+            <a:ext cx="1643074" cy="571504"/>
+          </a:xfrm>
+          <a:prstGeom prst="straightConnector1">
+            <a:avLst/>
+          </a:prstGeom>
+          <a:ln w="22225">
+            <a:solidFill>
+              <a:srgbClr val="FF0000"/>
+            </a:solidFill>
+            <a:tailEnd type="arrow"/>
+          </a:ln>
+        </p:spPr>
+        <p:style>
+          <a:lnRef idx="1">
+            <a:schemeClr val="accent1"/>
+          </a:lnRef>
+          <a:fillRef idx="0">
+            <a:schemeClr val="accent1"/>
+          </a:fillRef>
+          <a:effectRef idx="0">
+            <a:schemeClr val="accent1"/>
+          </a:effectRef>
+          <a:fontRef idx="minor">
+            <a:schemeClr val="tx1"/>
+          </a:fontRef>
+        </p:style>
+      </p:cxnSp>
+      <p:cxnSp>
+        <p:nvCxnSpPr>
+          <p:cNvPr id="26" name="Прямая со стрелкой 25"/>
+          <p:cNvCxnSpPr>
+            <a:stCxn id="1029" idx="3"/>
+          </p:cNvCxnSpPr>
+          <p:nvPr/>
+        </p:nvCxnSpPr>
+        <p:spPr>
+          <a:xfrm flipV="1">
+            <a:off x="3800446" y="5072074"/>
+            <a:ext cx="1557372" cy="1133481"/>
+          </a:xfrm>
+          <a:prstGeom prst="straightConnector1">
+            <a:avLst/>
+          </a:prstGeom>
+          <a:ln w="22225">
+            <a:solidFill>
+              <a:srgbClr val="FF0000"/>
+            </a:solidFill>
+            <a:tailEnd type="arrow"/>
+          </a:ln>
+        </p:spPr>
+        <p:style>
+          <a:lnRef idx="1">
+            <a:schemeClr val="accent1"/>
+          </a:lnRef>
+          <a:fillRef idx="0">
+            <a:schemeClr val="accent1"/>
+          </a:fillRef>
+          <a:effectRef idx="0">
+            <a:schemeClr val="accent1"/>
+          </a:effectRef>
+          <a:fontRef idx="minor">
+            <a:schemeClr val="tx1"/>
+          </a:fontRef>
+        </p:style>
+      </p:cxnSp>
+      <p:pic>
+        <p:nvPicPr>
+          <p:cNvPr id="2050" name="Picture 2"/>
+          <p:cNvPicPr>
+            <a:picLocks noChangeAspect="1" noChangeArrowheads="1"/>
+          </p:cNvPicPr>
+          <p:nvPr/>
+        </p:nvPicPr>
+        <p:blipFill>
+          <a:blip r:embed="rId5"/>
+          <a:srcRect/>
+          <a:stretch>
+            <a:fillRect/>
+          </a:stretch>
+        </p:blipFill>
+        <p:spPr bwMode="auto">
+          <a:xfrm>
+            <a:off x="5929322" y="2571744"/>
+            <a:ext cx="2105025" cy="778445"/>
+          </a:xfrm>
+          <a:prstGeom prst="rect">
+            <a:avLst/>
+          </a:prstGeom>
+          <a:noFill/>
+          <a:ln w="9525">
+            <a:solidFill>
+              <a:schemeClr val="tx1"/>
+            </a:solidFill>
+            <a:miter lim="800000"/>
+            <a:headEnd/>
+            <a:tailEnd/>
+          </a:ln>
+          <a:effectLst/>
+        </p:spPr>
+      </p:pic>
+      <p:sp>
+        <p:nvSpPr>
+          <p:cNvPr id="11" name="Прямоугольник 10"/>
+          <p:cNvSpPr/>
+          <p:nvPr/>
+        </p:nvSpPr>
+        <p:spPr>
+          <a:xfrm>
+            <a:off x="4857752" y="3357562"/>
+            <a:ext cx="4286248" cy="523220"/>
+          </a:xfrm>
+          <a:prstGeom prst="rect">
+            <a:avLst/>
+          </a:prstGeom>
+        </p:spPr>
+        <p:txBody>
+          <a:bodyPr wrap="square">
+            <a:spAutoFit/>
+          </a:bodyPr>
+          <a:lstStyle/>
+          <a:p>
+            <a:pPr algn="ctr"/>
+            <a:r>
+              <a:rPr lang="ru-RU" sz="1400" dirty="0" smtClean="0">
+                <a:latin typeface="Times New Roman" pitchFamily="18" charset="0"/>
+                <a:cs typeface="Times New Roman" pitchFamily="18" charset="0"/>
+              </a:rPr>
+              <a:t>Добавление </a:t>
+            </a:r>
+            <a:r>
+              <a:rPr lang="en-US" sz="1400" dirty="0" err="1" smtClean="0">
+                <a:latin typeface="Times New Roman" pitchFamily="18" charset="0"/>
+                <a:cs typeface="Times New Roman" pitchFamily="18" charset="0"/>
+              </a:rPr>
+              <a:t>GroupBox</a:t>
+            </a:r>
+            <a:r>
+              <a:rPr lang="en-US" sz="1400" dirty="0" smtClean="0">
+                <a:latin typeface="Times New Roman" pitchFamily="18" charset="0"/>
+                <a:cs typeface="Times New Roman" pitchFamily="18" charset="0"/>
+              </a:rPr>
+              <a:t> </a:t>
+            </a:r>
+            <a:r>
+              <a:rPr lang="ru-RU" sz="1400" dirty="0" smtClean="0">
+                <a:latin typeface="Times New Roman" pitchFamily="18" charset="0"/>
+                <a:cs typeface="Times New Roman" pitchFamily="18" charset="0"/>
+              </a:rPr>
+              <a:t>и его содержимого</a:t>
+            </a:r>
+            <a:r>
+              <a:rPr lang="en-US" sz="1400" dirty="0" smtClean="0">
+                <a:latin typeface="Times New Roman" pitchFamily="18" charset="0"/>
+                <a:cs typeface="Times New Roman" pitchFamily="18" charset="0"/>
+              </a:rPr>
+              <a:t> (rb1, rb2 – </a:t>
+            </a:r>
+            <a:r>
+              <a:rPr lang="en-US" sz="1400" b="1" dirty="0" smtClean="0">
+                <a:latin typeface="Times New Roman" pitchFamily="18" charset="0"/>
+                <a:cs typeface="Times New Roman" pitchFamily="18" charset="0"/>
+              </a:rPr>
+              <a:t>=new </a:t>
+            </a:r>
+            <a:r>
+              <a:rPr lang="en-US" sz="1400" b="1" dirty="0" err="1" smtClean="0">
+                <a:latin typeface="Times New Roman" pitchFamily="18" charset="0"/>
+                <a:cs typeface="Times New Roman" pitchFamily="18" charset="0"/>
+              </a:rPr>
+              <a:t>RadioButton</a:t>
+            </a:r>
+            <a:r>
+              <a:rPr lang="en-US" sz="1400" b="1" dirty="0" smtClean="0">
+                <a:latin typeface="Times New Roman" pitchFamily="18" charset="0"/>
+                <a:cs typeface="Times New Roman" pitchFamily="18" charset="0"/>
+              </a:rPr>
+              <a:t>()</a:t>
+            </a:r>
+            <a:r>
+              <a:rPr lang="en-US" sz="1400" dirty="0" smtClean="0">
+                <a:latin typeface="Times New Roman" pitchFamily="18" charset="0"/>
+                <a:cs typeface="Times New Roman" pitchFamily="18" charset="0"/>
+              </a:rPr>
+              <a:t>)</a:t>
+            </a:r>
+            <a:endParaRPr lang="ru-RU" sz="1400" dirty="0"/>
+          </a:p>
+        </p:txBody>
+      </p:sp>
+    </p:spTree>
+  </p:cSld>
+  <p:clrMapOvr>
+    <a:masterClrMapping/>
+  </p:clrMapOvr>
+  <p:timing>
+    <p:tnLst>
+      <p:par>
+        <p:cTn id="1" dur="indefinite" restart="never" nodeType="tmRoot"/>
+      </p:par>
+    </p:tnLst>
+  </p:timing>
+</p:sld>
+</file>
+
+<file path=ppt/slides/slide13.xml><?xml version="1.0" encoding="utf-8"?>
+<p:sld xmlns:a="http://schemas.openxmlformats.org/drawingml/2006/main" xmlns:r="http://schemas.openxmlformats.org/officeDocument/2006/relationships" xmlns:p="http://schemas.openxmlformats.org/presentationml/2006/main">
+  <p:cSld>
+    <p:spTree>
+      <p:nvGrpSpPr>
+        <p:cNvPr id="1" name=""/>
+        <p:cNvGrpSpPr/>
+        <p:nvPr/>
+      </p:nvGrpSpPr>
+      <p:grpSpPr>
+        <a:xfrm>
+          <a:off x="0" y="0"/>
+          <a:ext cx="0" cy="0"/>
+          <a:chOff x="0" y="0"/>
+          <a:chExt cx="0" cy="0"/>
+        </a:xfrm>
+      </p:grpSpPr>
+      <p:pic>
+        <p:nvPicPr>
+          <p:cNvPr id="4" name="Picture 4"/>
+          <p:cNvPicPr>
+            <a:picLocks noChangeAspect="1" noChangeArrowheads="1"/>
+          </p:cNvPicPr>
+          <p:nvPr/>
+        </p:nvPicPr>
+        <p:blipFill>
+          <a:blip r:embed="rId2"/>
+          <a:srcRect/>
+          <a:stretch>
+            <a:fillRect/>
+          </a:stretch>
+        </p:blipFill>
+        <p:spPr bwMode="auto">
+          <a:xfrm>
+            <a:off x="3286116" y="1714488"/>
+            <a:ext cx="4357718" cy="4357718"/>
+          </a:xfrm>
+          <a:prstGeom prst="rect">
+            <a:avLst/>
+          </a:prstGeom>
+          <a:noFill/>
+          <a:ln w="9525">
             <a:noFill/>
+            <a:miter lim="800000"/>
+            <a:headEnd/>
+            <a:tailEnd/>
+          </a:ln>
+          <a:effectLst/>
+        </p:spPr>
+      </p:pic>
+      <p:sp>
+        <p:nvSpPr>
+          <p:cNvPr id="2" name="Заголовок 1"/>
+          <p:cNvSpPr>
+            <a:spLocks noGrp="1"/>
+          </p:cNvSpPr>
+          <p:nvPr>
+            <p:ph type="title"/>
+          </p:nvPr>
+        </p:nvSpPr>
+        <p:spPr>
+          <a:xfrm>
+            <a:off x="428596" y="0"/>
+            <a:ext cx="8229600" cy="1143000"/>
+          </a:xfrm>
+        </p:spPr>
+        <p:txBody>
+          <a:bodyPr>
+            <a:normAutofit fontScale="90000"/>
+          </a:bodyPr>
+          <a:lstStyle/>
+          <a:p>
+            <a:r>
+              <a:rPr lang="ru-RU" b="1" dirty="0" smtClean="0"/>
+              <a:t>Задание </a:t>
+            </a:r>
+            <a:r>
+              <a:rPr lang="en-US" b="1" dirty="0" smtClean="0"/>
+              <a:t>3</a:t>
+            </a:r>
+            <a:r>
+              <a:rPr lang="ru-RU" b="1" dirty="0" smtClean="0"/>
+              <a:t/>
+            </a:r>
+            <a:br>
+              <a:rPr lang="ru-RU" b="1" dirty="0" smtClean="0"/>
+            </a:br>
+            <a:endParaRPr lang="ru-RU" dirty="0"/>
+          </a:p>
+        </p:txBody>
+      </p:sp>
+      <p:sp>
+        <p:nvSpPr>
+          <p:cNvPr id="24" name="Прямоугольник 23"/>
+          <p:cNvSpPr/>
+          <p:nvPr/>
+        </p:nvSpPr>
+        <p:spPr>
+          <a:xfrm>
+            <a:off x="3357554" y="6000768"/>
+            <a:ext cx="4357718" cy="707886"/>
+          </a:xfrm>
+          <a:prstGeom prst="rect">
+            <a:avLst/>
+          </a:prstGeom>
+        </p:spPr>
+        <p:txBody>
+          <a:bodyPr wrap="square">
+            <a:spAutoFit/>
+          </a:bodyPr>
+          <a:lstStyle/>
+          <a:p>
+            <a:pPr algn="ctr"/>
+            <a:r>
+              <a:rPr lang="ru-RU" sz="2000" dirty="0" smtClean="0">
+                <a:latin typeface="Times New Roman" pitchFamily="18" charset="0"/>
+                <a:cs typeface="Times New Roman" pitchFamily="18" charset="0"/>
+              </a:rPr>
+              <a:t>Примерный шаблон интерфейса и вывода информации</a:t>
+            </a:r>
+            <a:endParaRPr lang="ru-RU" sz="2000" dirty="0"/>
+          </a:p>
+        </p:txBody>
+      </p:sp>
+      <p:sp>
+        <p:nvSpPr>
+          <p:cNvPr id="30" name="Прямоугольник 29"/>
+          <p:cNvSpPr/>
+          <p:nvPr/>
+        </p:nvSpPr>
+        <p:spPr>
+          <a:xfrm>
+            <a:off x="0" y="4214818"/>
+            <a:ext cx="3214678" cy="2031325"/>
+          </a:xfrm>
+          <a:prstGeom prst="rect">
+            <a:avLst/>
+          </a:prstGeom>
+          <a:solidFill>
+            <a:schemeClr val="bg2"/>
+          </a:solidFill>
+          <a:ln>
+            <a:solidFill>
+              <a:schemeClr val="tx1"/>
+            </a:solidFill>
+          </a:ln>
+        </p:spPr>
+        <p:txBody>
+          <a:bodyPr wrap="square">
+            <a:spAutoFit/>
+          </a:bodyPr>
+          <a:lstStyle/>
+          <a:p>
+            <a:pPr algn="just"/>
+            <a:r>
+              <a:rPr lang="ru-RU" sz="1400" b="1" dirty="0" err="1" smtClean="0">
+                <a:latin typeface="Times New Roman" pitchFamily="18" charset="0"/>
+                <a:cs typeface="Times New Roman" pitchFamily="18" charset="0"/>
+              </a:rPr>
+              <a:t>Panel</a:t>
+            </a:r>
+            <a:r>
+              <a:rPr lang="ru-RU" sz="1400" dirty="0" smtClean="0">
+                <a:latin typeface="Times New Roman" pitchFamily="18" charset="0"/>
+                <a:cs typeface="Times New Roman" pitchFamily="18" charset="0"/>
+              </a:rPr>
+              <a:t> объединяет элементы в группы. Она представляет собой прямоугольное окно без надписи, внутри которого можно помещать произвольные объекты. Если панель имеет много элементов, которые выходят за её границы, её можно сделать прокручиваемой, установив свойство </a:t>
+            </a:r>
+            <a:r>
+              <a:rPr lang="ru-RU" sz="1400" dirty="0" err="1" smtClean="0">
+                <a:latin typeface="Times New Roman" pitchFamily="18" charset="0"/>
+                <a:cs typeface="Times New Roman" pitchFamily="18" charset="0"/>
+              </a:rPr>
+              <a:t>AutoScroll</a:t>
+            </a:r>
+            <a:r>
+              <a:rPr lang="ru-RU" sz="1400" dirty="0" smtClean="0">
+                <a:latin typeface="Times New Roman" pitchFamily="18" charset="0"/>
+                <a:cs typeface="Times New Roman" pitchFamily="18" charset="0"/>
+              </a:rPr>
+              <a:t> в </a:t>
+            </a:r>
+            <a:r>
+              <a:rPr lang="ru-RU" sz="1400" dirty="0" err="1" smtClean="0">
+                <a:latin typeface="Times New Roman" pitchFamily="18" charset="0"/>
+                <a:cs typeface="Times New Roman" pitchFamily="18" charset="0"/>
+              </a:rPr>
+              <a:t>true</a:t>
+            </a:r>
+            <a:r>
+              <a:rPr lang="ru-RU" sz="1400" dirty="0" smtClean="0">
+                <a:latin typeface="Times New Roman" pitchFamily="18" charset="0"/>
+                <a:cs typeface="Times New Roman" pitchFamily="18" charset="0"/>
+              </a:rPr>
+              <a:t>.</a:t>
+            </a:r>
+            <a:endParaRPr lang="ru-RU" sz="1400" dirty="0">
+              <a:latin typeface="Times New Roman" pitchFamily="18" charset="0"/>
+              <a:cs typeface="Times New Roman" pitchFamily="18" charset="0"/>
+            </a:endParaRPr>
+          </a:p>
+        </p:txBody>
+      </p:sp>
+      <p:pic>
+        <p:nvPicPr>
+          <p:cNvPr id="1028" name="Picture 4"/>
+          <p:cNvPicPr>
+            <a:picLocks noChangeAspect="1" noChangeArrowheads="1"/>
+          </p:cNvPicPr>
+          <p:nvPr/>
+        </p:nvPicPr>
+        <p:blipFill>
+          <a:blip r:embed="rId3"/>
+          <a:srcRect/>
+          <a:stretch>
+            <a:fillRect/>
+          </a:stretch>
+        </p:blipFill>
+        <p:spPr bwMode="auto">
+          <a:xfrm>
+            <a:off x="0" y="1214422"/>
+            <a:ext cx="4276725" cy="219075"/>
+          </a:xfrm>
+          <a:prstGeom prst="rect">
+            <a:avLst/>
+          </a:prstGeom>
+          <a:noFill/>
+          <a:ln w="9525">
+            <a:noFill/>
+            <a:miter lim="800000"/>
+            <a:headEnd/>
+            <a:tailEnd/>
+          </a:ln>
+          <a:effectLst/>
+        </p:spPr>
+      </p:pic>
+      <p:cxnSp>
+        <p:nvCxnSpPr>
+          <p:cNvPr id="31" name="Прямая со стрелкой 30"/>
+          <p:cNvCxnSpPr>
+            <a:endCxn id="1028" idx="2"/>
+          </p:cNvCxnSpPr>
+          <p:nvPr/>
+        </p:nvCxnSpPr>
+        <p:spPr>
+          <a:xfrm rot="10800000">
+            <a:off x="2138364" y="1433498"/>
+            <a:ext cx="3505207" cy="1209685"/>
+          </a:xfrm>
+          <a:prstGeom prst="straightConnector1">
+            <a:avLst/>
+          </a:prstGeom>
+          <a:ln w="25400">
+            <a:solidFill>
+              <a:srgbClr val="FF0000"/>
+            </a:solidFill>
+            <a:tailEnd type="arrow"/>
+          </a:ln>
+        </p:spPr>
+        <p:style>
+          <a:lnRef idx="1">
+            <a:schemeClr val="accent1"/>
+          </a:lnRef>
+          <a:fillRef idx="0">
+            <a:schemeClr val="accent1"/>
+          </a:fillRef>
+          <a:effectRef idx="0">
+            <a:schemeClr val="accent1"/>
+          </a:effectRef>
+          <a:fontRef idx="minor">
+            <a:schemeClr val="tx1"/>
+          </a:fontRef>
+        </p:style>
+      </p:cxnSp>
+      <p:sp>
+        <p:nvSpPr>
+          <p:cNvPr id="34" name="Скругленный прямоугольник 33"/>
+          <p:cNvSpPr/>
+          <p:nvPr/>
+        </p:nvSpPr>
+        <p:spPr>
+          <a:xfrm>
+            <a:off x="5715008" y="3500438"/>
+            <a:ext cx="1285884" cy="714380"/>
+          </a:xfrm>
+          <a:prstGeom prst="roundRect">
+            <a:avLst/>
+          </a:prstGeom>
+          <a:noFill/>
+          <a:ln>
+            <a:solidFill>
+              <a:srgbClr val="FF0000"/>
+            </a:solidFill>
           </a:ln>
         </p:spPr>
         <p:style>
@@ -4590,6 +5324,506 @@
           </a:p>
         </p:txBody>
       </p:sp>
+      <p:pic>
+        <p:nvPicPr>
+          <p:cNvPr id="1029" name="Picture 5"/>
+          <p:cNvPicPr>
+            <a:picLocks noChangeAspect="1" noChangeArrowheads="1"/>
+          </p:cNvPicPr>
+          <p:nvPr/>
+        </p:nvPicPr>
+        <p:blipFill>
+          <a:blip r:embed="rId4"/>
+          <a:srcRect/>
+          <a:stretch>
+            <a:fillRect/>
+          </a:stretch>
+        </p:blipFill>
+        <p:spPr bwMode="auto">
+          <a:xfrm>
+            <a:off x="0" y="2428868"/>
+            <a:ext cx="3071802" cy="790575"/>
+          </a:xfrm>
+          <a:prstGeom prst="rect">
+            <a:avLst/>
+          </a:prstGeom>
+          <a:noFill/>
+          <a:ln w="9525">
+            <a:noFill/>
+            <a:miter lim="800000"/>
+            <a:headEnd/>
+            <a:tailEnd/>
+          </a:ln>
+          <a:effectLst/>
+        </p:spPr>
+      </p:pic>
+      <p:cxnSp>
+        <p:nvCxnSpPr>
+          <p:cNvPr id="35" name="Прямая со стрелкой 34"/>
+          <p:cNvCxnSpPr>
+            <a:endCxn id="1029" idx="2"/>
+          </p:cNvCxnSpPr>
+          <p:nvPr/>
+        </p:nvCxnSpPr>
+        <p:spPr>
+          <a:xfrm rot="10800000">
+            <a:off x="1535902" y="3219444"/>
+            <a:ext cx="2250281" cy="495309"/>
+          </a:xfrm>
+          <a:prstGeom prst="straightConnector1">
+            <a:avLst/>
+          </a:prstGeom>
+          <a:ln w="25400">
+            <a:solidFill>
+              <a:srgbClr val="FF0000"/>
+            </a:solidFill>
+            <a:tailEnd type="arrow"/>
+          </a:ln>
+        </p:spPr>
+        <p:style>
+          <a:lnRef idx="1">
+            <a:schemeClr val="accent1"/>
+          </a:lnRef>
+          <a:fillRef idx="0">
+            <a:schemeClr val="accent1"/>
+          </a:fillRef>
+          <a:effectRef idx="0">
+            <a:schemeClr val="accent1"/>
+          </a:effectRef>
+          <a:fontRef idx="minor">
+            <a:schemeClr val="tx1"/>
+          </a:fontRef>
+        </p:style>
+      </p:cxnSp>
+      <p:sp>
+        <p:nvSpPr>
+          <p:cNvPr id="13" name="Скругленный прямоугольник 12"/>
+          <p:cNvSpPr/>
+          <p:nvPr/>
+        </p:nvSpPr>
+        <p:spPr>
+          <a:xfrm>
+            <a:off x="5572132" y="2643182"/>
+            <a:ext cx="1857388" cy="428628"/>
+          </a:xfrm>
+          <a:prstGeom prst="roundRect">
+            <a:avLst/>
+          </a:prstGeom>
+          <a:noFill/>
+          <a:ln>
+            <a:solidFill>
+              <a:srgbClr val="FF0000"/>
+            </a:solidFill>
+          </a:ln>
+        </p:spPr>
+        <p:style>
+          <a:lnRef idx="2">
+            <a:schemeClr val="accent1">
+              <a:shade val="50000"/>
+            </a:schemeClr>
+          </a:lnRef>
+          <a:fillRef idx="1">
+            <a:schemeClr val="accent1"/>
+          </a:fillRef>
+          <a:effectRef idx="0">
+            <a:schemeClr val="accent1"/>
+          </a:effectRef>
+          <a:fontRef idx="minor">
+            <a:schemeClr val="lt1"/>
+          </a:fontRef>
+        </p:style>
+        <p:txBody>
+          <a:bodyPr rtlCol="0" anchor="ctr"/>
+          <a:lstStyle/>
+          <a:p>
+            <a:pPr algn="ctr"/>
+            <a:endParaRPr lang="ru-RU"/>
+          </a:p>
+        </p:txBody>
+      </p:sp>
+      <p:pic>
+        <p:nvPicPr>
+          <p:cNvPr id="1026" name="Picture 2"/>
+          <p:cNvPicPr>
+            <a:picLocks noChangeAspect="1" noChangeArrowheads="1"/>
+          </p:cNvPicPr>
+          <p:nvPr/>
+        </p:nvPicPr>
+        <p:blipFill>
+          <a:blip r:embed="rId5"/>
+          <a:srcRect/>
+          <a:stretch>
+            <a:fillRect/>
+          </a:stretch>
+        </p:blipFill>
+        <p:spPr bwMode="auto">
+          <a:xfrm>
+            <a:off x="4429124" y="1214422"/>
+            <a:ext cx="4714876" cy="277779"/>
+          </a:xfrm>
+          <a:prstGeom prst="rect">
+            <a:avLst/>
+          </a:prstGeom>
+          <a:noFill/>
+          <a:ln w="9525">
+            <a:solidFill>
+              <a:schemeClr val="tx1"/>
+            </a:solidFill>
+            <a:miter lim="800000"/>
+            <a:headEnd/>
+            <a:tailEnd/>
+          </a:ln>
+          <a:effectLst/>
+        </p:spPr>
+      </p:pic>
+      <p:cxnSp>
+        <p:nvCxnSpPr>
+          <p:cNvPr id="16" name="Прямая со стрелкой 15"/>
+          <p:cNvCxnSpPr/>
+          <p:nvPr/>
+        </p:nvCxnSpPr>
+        <p:spPr>
+          <a:xfrm rot="5400000" flipH="1" flipV="1">
+            <a:off x="6858016" y="1643050"/>
+            <a:ext cx="2000264" cy="1714512"/>
+          </a:xfrm>
+          <a:prstGeom prst="straightConnector1">
+            <a:avLst/>
+          </a:prstGeom>
+          <a:ln w="25400">
+            <a:solidFill>
+              <a:srgbClr val="FF0000"/>
+            </a:solidFill>
+            <a:tailEnd type="arrow"/>
+          </a:ln>
+        </p:spPr>
+        <p:style>
+          <a:lnRef idx="1">
+            <a:schemeClr val="accent1"/>
+          </a:lnRef>
+          <a:fillRef idx="0">
+            <a:schemeClr val="accent1"/>
+          </a:fillRef>
+          <a:effectRef idx="0">
+            <a:schemeClr val="accent1"/>
+          </a:effectRef>
+          <a:fontRef idx="minor">
+            <a:schemeClr val="tx1"/>
+          </a:fontRef>
+        </p:style>
+      </p:cxnSp>
+      <p:sp>
+        <p:nvSpPr>
+          <p:cNvPr id="20" name="Скругленный прямоугольник 19"/>
+          <p:cNvSpPr/>
+          <p:nvPr/>
+        </p:nvSpPr>
+        <p:spPr>
+          <a:xfrm>
+            <a:off x="3428992" y="3357562"/>
+            <a:ext cx="2214578" cy="1071570"/>
+          </a:xfrm>
+          <a:prstGeom prst="roundRect">
+            <a:avLst/>
+          </a:prstGeom>
+          <a:noFill/>
+          <a:ln>
+            <a:solidFill>
+              <a:srgbClr val="FF0000"/>
+            </a:solidFill>
+          </a:ln>
+        </p:spPr>
+        <p:style>
+          <a:lnRef idx="2">
+            <a:schemeClr val="accent1">
+              <a:shade val="50000"/>
+            </a:schemeClr>
+          </a:lnRef>
+          <a:fillRef idx="1">
+            <a:schemeClr val="accent1"/>
+          </a:fillRef>
+          <a:effectRef idx="0">
+            <a:schemeClr val="accent1"/>
+          </a:effectRef>
+          <a:fontRef idx="minor">
+            <a:schemeClr val="lt1"/>
+          </a:fontRef>
+        </p:style>
+        <p:txBody>
+          <a:bodyPr rtlCol="0" anchor="ctr"/>
+          <a:lstStyle/>
+          <a:p>
+            <a:pPr algn="ctr"/>
+            <a:endParaRPr lang="ru-RU"/>
+          </a:p>
+        </p:txBody>
+      </p:sp>
+      <p:cxnSp>
+        <p:nvCxnSpPr>
+          <p:cNvPr id="25" name="Прямая со стрелкой 24"/>
+          <p:cNvCxnSpPr>
+            <a:stCxn id="20" idx="1"/>
+          </p:cNvCxnSpPr>
+          <p:nvPr/>
+        </p:nvCxnSpPr>
+        <p:spPr>
+          <a:xfrm rot="10800000" flipV="1">
+            <a:off x="1428728" y="3893347"/>
+            <a:ext cx="2000264" cy="321470"/>
+          </a:xfrm>
+          <a:prstGeom prst="straightConnector1">
+            <a:avLst/>
+          </a:prstGeom>
+          <a:ln w="25400">
+            <a:solidFill>
+              <a:srgbClr val="FF0000"/>
+            </a:solidFill>
+            <a:tailEnd type="arrow"/>
+          </a:ln>
+        </p:spPr>
+        <p:style>
+          <a:lnRef idx="1">
+            <a:schemeClr val="accent1"/>
+          </a:lnRef>
+          <a:fillRef idx="0">
+            <a:schemeClr val="accent1"/>
+          </a:fillRef>
+          <a:effectRef idx="0">
+            <a:schemeClr val="accent1"/>
+          </a:effectRef>
+          <a:fontRef idx="minor">
+            <a:schemeClr val="tx1"/>
+          </a:fontRef>
+        </p:style>
+      </p:cxnSp>
+      <p:pic>
+        <p:nvPicPr>
+          <p:cNvPr id="5" name="Picture 5"/>
+          <p:cNvPicPr>
+            <a:picLocks noChangeAspect="1" noChangeArrowheads="1"/>
+          </p:cNvPicPr>
+          <p:nvPr/>
+        </p:nvPicPr>
+        <p:blipFill>
+          <a:blip r:embed="rId6"/>
+          <a:srcRect/>
+          <a:stretch>
+            <a:fillRect/>
+          </a:stretch>
+        </p:blipFill>
+        <p:spPr bwMode="auto">
+          <a:xfrm>
+            <a:off x="5715008" y="5072074"/>
+            <a:ext cx="3428992" cy="266700"/>
+          </a:xfrm>
+          <a:prstGeom prst="rect">
+            <a:avLst/>
+          </a:prstGeom>
+          <a:noFill/>
+          <a:ln w="9525">
+            <a:solidFill>
+              <a:schemeClr val="tx1"/>
+            </a:solidFill>
+            <a:miter lim="800000"/>
+            <a:headEnd/>
+            <a:tailEnd/>
+          </a:ln>
+          <a:effectLst/>
+        </p:spPr>
+      </p:pic>
+      <p:cxnSp>
+        <p:nvCxnSpPr>
+          <p:cNvPr id="36" name="Прямая со стрелкой 35"/>
+          <p:cNvCxnSpPr/>
+          <p:nvPr/>
+        </p:nvCxnSpPr>
+        <p:spPr>
+          <a:xfrm rot="10800000" flipV="1">
+            <a:off x="5072066" y="5214950"/>
+            <a:ext cx="642942" cy="2"/>
+          </a:xfrm>
+          <a:prstGeom prst="straightConnector1">
+            <a:avLst/>
+          </a:prstGeom>
+          <a:ln w="25400">
+            <a:solidFill>
+              <a:srgbClr val="FF0000"/>
+            </a:solidFill>
+            <a:tailEnd type="arrow"/>
+          </a:ln>
+        </p:spPr>
+        <p:style>
+          <a:lnRef idx="1">
+            <a:schemeClr val="accent1"/>
+          </a:lnRef>
+          <a:fillRef idx="0">
+            <a:schemeClr val="accent1"/>
+          </a:fillRef>
+          <a:effectRef idx="0">
+            <a:schemeClr val="accent1"/>
+          </a:effectRef>
+          <a:fontRef idx="minor">
+            <a:schemeClr val="tx1"/>
+          </a:fontRef>
+        </p:style>
+      </p:cxnSp>
+      <p:sp>
+        <p:nvSpPr>
+          <p:cNvPr id="18" name="Прямоугольник 17"/>
+          <p:cNvSpPr/>
+          <p:nvPr/>
+        </p:nvSpPr>
+        <p:spPr>
+          <a:xfrm>
+            <a:off x="0" y="571480"/>
+            <a:ext cx="9144000" cy="523220"/>
+          </a:xfrm>
+          <a:prstGeom prst="rect">
+            <a:avLst/>
+          </a:prstGeom>
+          <a:solidFill>
+            <a:srgbClr val="FFFF00"/>
+          </a:solidFill>
+          <a:ln>
+            <a:solidFill>
+              <a:schemeClr val="tx1"/>
+            </a:solidFill>
+          </a:ln>
+        </p:spPr>
+        <p:txBody>
+          <a:bodyPr wrap="square">
+            <a:spAutoFit/>
+          </a:bodyPr>
+          <a:lstStyle/>
+          <a:p>
+            <a:pPr algn="just"/>
+            <a:r>
+              <a:rPr lang="ru-RU" sz="1400" b="1" dirty="0" smtClean="0">
+                <a:latin typeface="Times New Roman" pitchFamily="18" charset="0"/>
+                <a:cs typeface="Times New Roman" pitchFamily="18" charset="0"/>
+              </a:rPr>
+              <a:t>Здесь приведен только один из возможных шаблонов выполнения. Допускается размещать элементы программно или выводить информацию</a:t>
+            </a:r>
+            <a:r>
+              <a:rPr lang="en-US" sz="1400" b="1" dirty="0" smtClean="0">
+                <a:latin typeface="Times New Roman" pitchFamily="18" charset="0"/>
+                <a:cs typeface="Times New Roman" pitchFamily="18" charset="0"/>
+              </a:rPr>
+              <a:t> </a:t>
+            </a:r>
+            <a:r>
+              <a:rPr lang="ru-RU" sz="1400" b="1" dirty="0" smtClean="0">
+                <a:latin typeface="Times New Roman" pitchFamily="18" charset="0"/>
+                <a:cs typeface="Times New Roman" pitchFamily="18" charset="0"/>
+              </a:rPr>
+              <a:t>другим способом (например, в </a:t>
+            </a:r>
+            <a:r>
+              <a:rPr lang="en-US" sz="1400" b="1" dirty="0" err="1" smtClean="0">
+                <a:latin typeface="Times New Roman" pitchFamily="18" charset="0"/>
+                <a:cs typeface="Times New Roman" pitchFamily="18" charset="0"/>
+              </a:rPr>
+              <a:t>MessageBox</a:t>
+            </a:r>
+            <a:r>
+              <a:rPr lang="ru-RU" sz="1400" b="1" dirty="0" smtClean="0">
+                <a:latin typeface="Times New Roman" pitchFamily="18" charset="0"/>
+                <a:cs typeface="Times New Roman" pitchFamily="18" charset="0"/>
+              </a:rPr>
+              <a:t>)</a:t>
+            </a:r>
+            <a:r>
+              <a:rPr lang="en-US" sz="1400" b="1" dirty="0" smtClean="0">
+                <a:latin typeface="Times New Roman" pitchFamily="18" charset="0"/>
+                <a:cs typeface="Times New Roman" pitchFamily="18" charset="0"/>
+              </a:rPr>
+              <a:t>.</a:t>
+            </a:r>
+            <a:endParaRPr lang="ru-RU" sz="1400" b="1" dirty="0">
+              <a:latin typeface="Times New Roman" pitchFamily="18" charset="0"/>
+              <a:cs typeface="Times New Roman" pitchFamily="18" charset="0"/>
+            </a:endParaRPr>
+          </a:p>
+        </p:txBody>
+      </p:sp>
+    </p:spTree>
+  </p:cSld>
+  <p:clrMapOvr>
+    <a:masterClrMapping/>
+  </p:clrMapOvr>
+  <p:timing>
+    <p:tnLst>
+      <p:par>
+        <p:cTn id="1" dur="indefinite" restart="never" nodeType="tmRoot"/>
+      </p:par>
+    </p:tnLst>
+  </p:timing>
+</p:sld>
+</file>
+
+<file path=ppt/slides/slide14.xml><?xml version="1.0" encoding="utf-8"?>
+<p:sld xmlns:a="http://schemas.openxmlformats.org/drawingml/2006/main" xmlns:r="http://schemas.openxmlformats.org/officeDocument/2006/relationships" xmlns:p="http://schemas.openxmlformats.org/presentationml/2006/main">
+  <p:cSld>
+    <p:spTree>
+      <p:nvGrpSpPr>
+        <p:cNvPr id="1" name=""/>
+        <p:cNvGrpSpPr/>
+        <p:nvPr/>
+      </p:nvGrpSpPr>
+      <p:grpSpPr>
+        <a:xfrm>
+          <a:off x="0" y="0"/>
+          <a:ext cx="0" cy="0"/>
+          <a:chOff x="0" y="0"/>
+          <a:chExt cx="0" cy="0"/>
+        </a:xfrm>
+      </p:grpSpPr>
+      <p:sp>
+        <p:nvSpPr>
+          <p:cNvPr id="11" name="Прямоугольник 10"/>
+          <p:cNvSpPr/>
+          <p:nvPr/>
+        </p:nvSpPr>
+        <p:spPr>
+          <a:xfrm>
+            <a:off x="0" y="2928934"/>
+            <a:ext cx="9144000" cy="3929066"/>
+          </a:xfrm>
+          <a:prstGeom prst="rect">
+            <a:avLst/>
+          </a:prstGeom>
+          <a:solidFill>
+            <a:schemeClr val="bg2"/>
+          </a:solidFill>
+          <a:ln>
+            <a:noFill/>
+          </a:ln>
+        </p:spPr>
+        <p:style>
+          <a:lnRef idx="2">
+            <a:schemeClr val="accent1">
+              <a:shade val="50000"/>
+            </a:schemeClr>
+          </a:lnRef>
+          <a:fillRef idx="1">
+            <a:schemeClr val="accent1"/>
+          </a:fillRef>
+          <a:effectRef idx="0">
+            <a:schemeClr val="accent1"/>
+          </a:effectRef>
+          <a:fontRef idx="minor">
+            <a:schemeClr val="lt1"/>
+          </a:fontRef>
+        </p:style>
+        <p:txBody>
+          <a:bodyPr rtlCol="0" anchor="ctr"/>
+          <a:lstStyle/>
+          <a:p>
+            <a:pPr algn="ctr"/>
+            <a:endParaRPr lang="ru-RU"/>
+          </a:p>
+        </p:txBody>
+      </p:sp>
       <p:sp>
         <p:nvSpPr>
           <p:cNvPr id="2" name="Заголовок 1"/>
@@ -4608,17 +5842,21 @@
         </p:spPr>
         <p:txBody>
           <a:bodyPr>
-            <a:normAutofit/>
+            <a:normAutofit fontScale="90000"/>
           </a:bodyPr>
           <a:lstStyle/>
           <a:p>
             <a:r>
               <a:rPr lang="ru-RU" b="1" dirty="0" smtClean="0"/>
-              <a:t>Задание </a:t>
+              <a:t>Игра на событиях</a:t>
             </a:r>
             <a:r>
               <a:rPr lang="en-US" b="1" dirty="0" smtClean="0"/>
-              <a:t>3 (</a:t>
+              <a:t> </a:t>
+            </a:r>
+            <a:r>
+              <a:rPr lang="en-US" b="1" dirty="0" smtClean="0"/>
+              <a:t>(</a:t>
             </a:r>
             <a:r>
               <a:rPr lang="ru-RU" b="1" dirty="0" smtClean="0"/>
@@ -4959,17 +6197,7 @@
                 <a:latin typeface="Times New Roman" pitchFamily="18" charset="0"/>
                 <a:cs typeface="Times New Roman" pitchFamily="18" charset="0"/>
               </a:rPr>
-              <a:t>Одним из аналогов </a:t>
-            </a:r>
-            <a:r>
-              <a:rPr lang="ru-RU" dirty="0" smtClean="0">
-                <a:solidFill>
-                  <a:srgbClr val="000000"/>
-                </a:solidFill>
-                <a:latin typeface="Times New Roman" pitchFamily="18" charset="0"/>
-                <a:cs typeface="Times New Roman" pitchFamily="18" charset="0"/>
-              </a:rPr>
-              <a:t>этой задачи является </a:t>
+              <a:t>Одним из аналогов этой задачи является </a:t>
             </a:r>
             <a:r>
               <a:rPr lang="ru-RU" b="1" dirty="0" smtClean="0">
@@ -6960,11 +8188,11 @@
           <a:p>
             <a:r>
               <a:rPr lang="ru-RU" b="1" dirty="0" smtClean="0"/>
-              <a:t>Задание 1</a:t>
-            </a:r>
-            <a:r>
-              <a:rPr lang="en-US" b="1" dirty="0" smtClean="0"/>
-              <a:t> (a)</a:t>
+              <a:t>Задание </a:t>
+            </a:r>
+            <a:r>
+              <a:rPr lang="ru-RU" b="1" dirty="0" smtClean="0"/>
+              <a:t>1</a:t>
             </a:r>
             <a:r>
               <a:rPr lang="ru-RU" b="1" dirty="0" smtClean="0"/>
@@ -7144,19 +8372,11 @@
           <a:p>
             <a:r>
               <a:rPr lang="ru-RU" b="1" dirty="0" smtClean="0"/>
-              <a:t>Задание 1</a:t>
+              <a:t>Задание </a:t>
             </a:r>
             <a:r>
               <a:rPr lang="en-US" b="1" dirty="0" smtClean="0"/>
-              <a:t> (</a:t>
-            </a:r>
-            <a:r>
-              <a:rPr lang="ru-RU" b="1" dirty="0" smtClean="0"/>
-              <a:t>б</a:t>
-            </a:r>
-            <a:r>
-              <a:rPr lang="en-US" b="1" dirty="0" smtClean="0"/>
-              <a:t>)</a:t>
+              <a:t>2</a:t>
             </a:r>
             <a:r>
               <a:rPr lang="ru-RU" b="1" dirty="0" smtClean="0"/>
@@ -7165,17 +8385,102 @@
             <a:br>
               <a:rPr lang="ru-RU" b="1" dirty="0" smtClean="0"/>
             </a:br>
-            <a:r>
-              <a:rPr lang="ru-RU" b="1" dirty="0" smtClean="0"/>
-              <a:t>Примерный результат вычисления</a:t>
-            </a:r>
             <a:endParaRPr lang="ru-RU" dirty="0"/>
+          </a:p>
+        </p:txBody>
+      </p:sp>
+      <p:cxnSp>
+        <p:nvCxnSpPr>
+          <p:cNvPr id="11" name="Прямая соединительная линия 10"/>
+          <p:cNvCxnSpPr/>
+          <p:nvPr/>
+        </p:nvCxnSpPr>
+        <p:spPr>
+          <a:xfrm rot="10800000">
+            <a:off x="5786446" y="1571612"/>
+            <a:ext cx="2500330" cy="4275"/>
+          </a:xfrm>
+          <a:prstGeom prst="line">
+            <a:avLst/>
+          </a:prstGeom>
+          <a:ln w="25400">
+            <a:solidFill>
+              <a:srgbClr val="FF0000"/>
+            </a:solidFill>
+          </a:ln>
+        </p:spPr>
+        <p:style>
+          <a:lnRef idx="1">
+            <a:schemeClr val="accent1"/>
+          </a:lnRef>
+          <a:fillRef idx="0">
+            <a:schemeClr val="accent1"/>
+          </a:fillRef>
+          <a:effectRef idx="0">
+            <a:schemeClr val="accent1"/>
+          </a:effectRef>
+          <a:fontRef idx="minor">
+            <a:schemeClr val="tx1"/>
+          </a:fontRef>
+        </p:style>
+      </p:cxnSp>
+      <p:sp>
+        <p:nvSpPr>
+          <p:cNvPr id="14" name="Прямоугольник 13"/>
+          <p:cNvSpPr/>
+          <p:nvPr/>
+        </p:nvSpPr>
+        <p:spPr>
+          <a:xfrm>
+            <a:off x="5500694" y="928670"/>
+            <a:ext cx="3357586" cy="584775"/>
+          </a:xfrm>
+          <a:prstGeom prst="rect">
+            <a:avLst/>
+          </a:prstGeom>
+        </p:spPr>
+        <p:txBody>
+          <a:bodyPr wrap="square">
+            <a:spAutoFit/>
+          </a:bodyPr>
+          <a:lstStyle/>
+          <a:p>
+            <a:pPr algn="just"/>
+            <a:r>
+              <a:rPr lang="ru-RU" sz="1600" dirty="0" smtClean="0">
+                <a:latin typeface="Times New Roman" pitchFamily="18" charset="0"/>
+                <a:cs typeface="Times New Roman" pitchFamily="18" charset="0"/>
+              </a:rPr>
+              <a:t>Смена вкладок для переключения между работой с </a:t>
+            </a:r>
+            <a:r>
+              <a:rPr lang="en-US" sz="1600" dirty="0" err="1" smtClean="0">
+                <a:latin typeface="Times New Roman" pitchFamily="18" charset="0"/>
+                <a:cs typeface="Times New Roman" pitchFamily="18" charset="0"/>
+              </a:rPr>
+              <a:t>WinForms</a:t>
+            </a:r>
+            <a:r>
+              <a:rPr lang="en-US" sz="1600" dirty="0" smtClean="0">
+                <a:latin typeface="Times New Roman" pitchFamily="18" charset="0"/>
+                <a:cs typeface="Times New Roman" pitchFamily="18" charset="0"/>
+              </a:rPr>
+              <a:t> </a:t>
+            </a:r>
+            <a:r>
+              <a:rPr lang="ru-RU" sz="1600" dirty="0" smtClean="0">
+                <a:latin typeface="Times New Roman" pitchFamily="18" charset="0"/>
+                <a:cs typeface="Times New Roman" pitchFamily="18" charset="0"/>
+              </a:rPr>
+              <a:t>и кодом</a:t>
+            </a:r>
+            <a:endParaRPr lang="ru-RU" sz="1600" dirty="0"/>
           </a:p>
         </p:txBody>
       </p:sp>
       <p:pic>
         <p:nvPicPr>
-          <p:cNvPr id="1026" name="Picture 2"/>
+          <p:cNvPr id="33796" name="Picture 4"/>
           <p:cNvPicPr>
             <a:picLocks noChangeAspect="1" noChangeArrowheads="1"/>
           </p:cNvPicPr>
@@ -7190,8 +8495,8 @@
         </p:blipFill>
         <p:spPr bwMode="auto">
           <a:xfrm>
-            <a:off x="931009" y="1557322"/>
-            <a:ext cx="7701050" cy="514356"/>
+            <a:off x="428596" y="758926"/>
+            <a:ext cx="4097253" cy="6099074"/>
           </a:xfrm>
           <a:prstGeom prst="rect">
             <a:avLst/>
@@ -7208,23 +8513,158 @@
       </p:pic>
       <p:sp>
         <p:nvSpPr>
-          <p:cNvPr id="1027" name="Rectangle 3"/>
-          <p:cNvSpPr>
-            <a:spLocks noChangeArrowheads="1"/>
-          </p:cNvSpPr>
-          <p:nvPr/>
-        </p:nvSpPr>
+          <p:cNvPr id="7" name="Скругленный прямоугольник 6"/>
+          <p:cNvSpPr/>
+          <p:nvPr/>
+        </p:nvSpPr>
+        <p:spPr>
+          <a:xfrm>
+            <a:off x="1857356" y="6357958"/>
+            <a:ext cx="1285884" cy="500042"/>
+          </a:xfrm>
+          <a:prstGeom prst="roundRect">
+            <a:avLst/>
+          </a:prstGeom>
+          <a:noFill/>
+          <a:ln>
+            <a:solidFill>
+              <a:srgbClr val="FF0000"/>
+            </a:solidFill>
+          </a:ln>
+        </p:spPr>
+        <p:style>
+          <a:lnRef idx="2">
+            <a:schemeClr val="accent1">
+              <a:shade val="50000"/>
+            </a:schemeClr>
+          </a:lnRef>
+          <a:fillRef idx="1">
+            <a:schemeClr val="accent1"/>
+          </a:fillRef>
+          <a:effectRef idx="0">
+            <a:schemeClr val="accent1"/>
+          </a:effectRef>
+          <a:fontRef idx="minor">
+            <a:schemeClr val="lt1"/>
+          </a:fontRef>
+        </p:style>
+        <p:txBody>
+          <a:bodyPr rtlCol="0" anchor="ctr"/>
+          <a:lstStyle/>
+          <a:p>
+            <a:pPr algn="ctr"/>
+            <a:endParaRPr lang="ru-RU"/>
+          </a:p>
+        </p:txBody>
+      </p:sp>
+      <p:cxnSp>
+        <p:nvCxnSpPr>
+          <p:cNvPr id="8" name="Прямая со стрелкой 7"/>
+          <p:cNvCxnSpPr>
+            <a:endCxn id="7" idx="3"/>
+          </p:cNvCxnSpPr>
+          <p:nvPr/>
+        </p:nvCxnSpPr>
+        <p:spPr>
+          <a:xfrm rot="5400000">
+            <a:off x="1946662" y="2768192"/>
+            <a:ext cx="5036365" cy="2643208"/>
+          </a:xfrm>
+          <a:prstGeom prst="straightConnector1">
+            <a:avLst/>
+          </a:prstGeom>
+          <a:ln w="25400">
+            <a:solidFill>
+              <a:srgbClr val="FF0000"/>
+            </a:solidFill>
+            <a:tailEnd type="arrow"/>
+          </a:ln>
+        </p:spPr>
+        <p:style>
+          <a:lnRef idx="1">
+            <a:schemeClr val="accent1"/>
+          </a:lnRef>
+          <a:fillRef idx="0">
+            <a:schemeClr val="accent1"/>
+          </a:fillRef>
+          <a:effectRef idx="0">
+            <a:schemeClr val="accent1"/>
+          </a:effectRef>
+          <a:fontRef idx="minor">
+            <a:schemeClr val="tx1"/>
+          </a:fontRef>
+        </p:style>
+      </p:cxnSp>
+      <p:sp>
+        <p:nvSpPr>
+          <p:cNvPr id="18" name="Скругленный прямоугольник 17"/>
+          <p:cNvSpPr/>
+          <p:nvPr/>
+        </p:nvSpPr>
+        <p:spPr>
+          <a:xfrm>
+            <a:off x="357158" y="1428736"/>
+            <a:ext cx="1428760" cy="1000132"/>
+          </a:xfrm>
+          <a:prstGeom prst="roundRect">
+            <a:avLst/>
+          </a:prstGeom>
+          <a:noFill/>
+          <a:ln>
+            <a:solidFill>
+              <a:srgbClr val="FF0000"/>
+            </a:solidFill>
+          </a:ln>
+        </p:spPr>
+        <p:style>
+          <a:lnRef idx="2">
+            <a:schemeClr val="accent1">
+              <a:shade val="50000"/>
+            </a:schemeClr>
+          </a:lnRef>
+          <a:fillRef idx="1">
+            <a:schemeClr val="accent1"/>
+          </a:fillRef>
+          <a:effectRef idx="0">
+            <a:schemeClr val="accent1"/>
+          </a:effectRef>
+          <a:fontRef idx="minor">
+            <a:schemeClr val="lt1"/>
+          </a:fontRef>
+        </p:style>
+        <p:txBody>
+          <a:bodyPr rtlCol="0" anchor="ctr"/>
+          <a:lstStyle/>
+          <a:p>
+            <a:pPr algn="ctr"/>
+            <a:endParaRPr lang="ru-RU"/>
+          </a:p>
+        </p:txBody>
+      </p:sp>
+      <p:pic>
+        <p:nvPicPr>
+          <p:cNvPr id="33798" name="Picture 6"/>
+          <p:cNvPicPr>
+            <a:picLocks noChangeAspect="1" noChangeArrowheads="1"/>
+          </p:cNvPicPr>
+          <p:nvPr/>
+        </p:nvPicPr>
+        <p:blipFill>
+          <a:blip r:embed="rId3"/>
+          <a:srcRect/>
+          <a:stretch>
+            <a:fillRect/>
+          </a:stretch>
+        </p:blipFill>
         <p:spPr bwMode="auto">
           <a:xfrm>
-            <a:off x="0" y="2071678"/>
-            <a:ext cx="9144000" cy="1938992"/>
+            <a:off x="0" y="4733925"/>
+            <a:ext cx="1838325" cy="2124075"/>
           </a:xfrm>
           <a:prstGeom prst="rect">
             <a:avLst/>
           </a:prstGeom>
-          <a:solidFill>
-            <a:srgbClr val="F7F7FA"/>
-          </a:solidFill>
+          <a:noFill/>
           <a:ln w="9525">
             <a:noFill/>
             <a:miter lim="800000"/>
@@ -7233,118 +8673,113 @@
           </a:ln>
           <a:effectLst/>
         </p:spPr>
-        <p:txBody>
-          <a:bodyPr vert="horz" wrap="square" lIns="91440" tIns="45720" rIns="91440" bIns="45720" numCol="1" anchor="ctr" anchorCtr="0" compatLnSpc="1">
-            <a:prstTxWarp prst="textNoShape">
-              <a:avLst/>
-            </a:prstTxWarp>
+      </p:pic>
+      <p:cxnSp>
+        <p:nvCxnSpPr>
+          <p:cNvPr id="21" name="Прямая со стрелкой 20"/>
+          <p:cNvCxnSpPr>
+            <a:endCxn id="18" idx="3"/>
+          </p:cNvCxnSpPr>
+          <p:nvPr/>
+        </p:nvCxnSpPr>
+        <p:spPr>
+          <a:xfrm rot="10800000">
+            <a:off x="1785918" y="1928802"/>
+            <a:ext cx="4572032" cy="1000132"/>
+          </a:xfrm>
+          <a:prstGeom prst="straightConnector1">
+            <a:avLst/>
+          </a:prstGeom>
+          <a:ln w="25400">
+            <a:solidFill>
+              <a:srgbClr val="FF0000"/>
+            </a:solidFill>
+            <a:tailEnd type="arrow"/>
+          </a:ln>
+        </p:spPr>
+        <p:style>
+          <a:lnRef idx="1">
+            <a:schemeClr val="accent1"/>
+          </a:lnRef>
+          <a:fillRef idx="0">
+            <a:schemeClr val="accent1"/>
+          </a:fillRef>
+          <a:effectRef idx="0">
+            <a:schemeClr val="accent1"/>
+          </a:effectRef>
+          <a:fontRef idx="minor">
+            <a:schemeClr val="tx1"/>
+          </a:fontRef>
+        </p:style>
+      </p:cxnSp>
+      <p:sp>
+        <p:nvSpPr>
+          <p:cNvPr id="24" name="Прямоугольник 23"/>
+          <p:cNvSpPr/>
+          <p:nvPr/>
+        </p:nvSpPr>
+        <p:spPr>
+          <a:xfrm>
+            <a:off x="6429388" y="2571744"/>
+            <a:ext cx="1928826" cy="338554"/>
+          </a:xfrm>
+          <a:prstGeom prst="rect">
+            <a:avLst/>
+          </a:prstGeom>
+        </p:spPr>
+        <p:txBody>
+          <a:bodyPr wrap="square">
             <a:spAutoFit/>
           </a:bodyPr>
           <a:lstStyle/>
           <a:p>
-            <a:pPr marL="0" marR="0" lvl="0" indent="0" algn="just" defTabSz="914400" rtl="0" eaLnBrk="1" fontAlgn="base" latinLnBrk="0" hangingPunct="1">
-              <a:lnSpc>
-                <a:spcPct val="100000"/>
-              </a:lnSpc>
-              <a:spcBef>
-                <a:spcPct val="0"/>
-              </a:spcBef>
-              <a:spcAft>
-                <a:spcPct val="0"/>
-              </a:spcAft>
-              <a:buClrTx/>
-              <a:buSzTx/>
-              <a:buFontTx/>
-              <a:buNone/>
-              <a:tabLst/>
-            </a:pPr>
-            <a:r>
-              <a:rPr kumimoji="0" lang="ru-RU" sz="2400" b="0" i="0" u="none" strike="noStrike" cap="none" normalizeH="0" baseline="0" dirty="0" smtClean="0">
-                <a:ln>
-                  <a:noFill/>
-                </a:ln>
-                <a:solidFill>
-                  <a:srgbClr val="000000"/>
-                </a:solidFill>
-                <a:effectLst/>
-                <a:latin typeface="Times New Roman" pitchFamily="18" charset="0"/>
-                <a:cs typeface="Times New Roman" pitchFamily="18" charset="0"/>
-              </a:rPr>
-              <a:t>Здесь мы видим, что строка в </a:t>
-            </a:r>
-            <a:r>
-              <a:rPr kumimoji="0" lang="ru-RU" sz="2400" b="0" i="0" u="none" strike="noStrike" cap="none" normalizeH="0" baseline="0" dirty="0" err="1" smtClean="0">
-                <a:ln>
-                  <a:noFill/>
-                </a:ln>
-                <a:solidFill>
-                  <a:srgbClr val="000000"/>
-                </a:solidFill>
-                <a:effectLst/>
-                <a:latin typeface="Times New Roman" pitchFamily="18" charset="0"/>
-                <a:cs typeface="Times New Roman" pitchFamily="18" charset="0"/>
-              </a:rPr>
-              <a:t>Console.WriteLine</a:t>
-            </a:r>
-            <a:r>
-              <a:rPr kumimoji="0" lang="ru-RU" sz="2400" b="0" i="0" u="none" strike="noStrike" cap="none" normalizeH="0" baseline="0" dirty="0" smtClean="0">
-                <a:ln>
-                  <a:noFill/>
-                </a:ln>
-                <a:solidFill>
-                  <a:srgbClr val="000000"/>
-                </a:solidFill>
-                <a:effectLst/>
-                <a:latin typeface="Times New Roman" pitchFamily="18" charset="0"/>
-                <a:cs typeface="Times New Roman" pitchFamily="18" charset="0"/>
-              </a:rPr>
-              <a:t> содержит некие числа в фигурных скобках: {0}, {1}, {2}. Это </a:t>
-            </a:r>
-            <a:r>
-              <a:rPr kumimoji="0" lang="ru-RU" sz="2400" b="0" i="0" u="none" strike="noStrike" cap="none" normalizeH="0" baseline="0" dirty="0" err="1" smtClean="0">
-                <a:ln>
-                  <a:noFill/>
-                </a:ln>
-                <a:solidFill>
-                  <a:srgbClr val="000000"/>
-                </a:solidFill>
-                <a:effectLst/>
-                <a:latin typeface="Times New Roman" pitchFamily="18" charset="0"/>
-                <a:cs typeface="Times New Roman" pitchFamily="18" charset="0"/>
-              </a:rPr>
-              <a:t>плейсхолдеры</a:t>
-            </a:r>
-            <a:r>
-              <a:rPr kumimoji="0" lang="ru-RU" sz="2400" b="0" i="0" u="none" strike="noStrike" cap="none" normalizeH="0" baseline="0" dirty="0" smtClean="0">
-                <a:ln>
-                  <a:noFill/>
-                </a:ln>
-                <a:solidFill>
-                  <a:srgbClr val="000000"/>
-                </a:solidFill>
-                <a:effectLst/>
-                <a:latin typeface="Times New Roman" pitchFamily="18" charset="0"/>
-                <a:cs typeface="Times New Roman" pitchFamily="18" charset="0"/>
-              </a:rPr>
-              <a:t>, вместо которых при выводе строки на консоль будут подставляться некоторые значения. Подставляемые значения указываются после строки через запятую.</a:t>
-            </a:r>
-            <a:r>
-              <a:rPr kumimoji="0" lang="ru-RU" sz="2400" b="0" i="0" u="none" strike="noStrike" cap="none" normalizeH="0" baseline="0" dirty="0" smtClean="0">
-                <a:ln>
-                  <a:noFill/>
-                </a:ln>
-                <a:solidFill>
-                  <a:schemeClr val="tx1"/>
-                </a:solidFill>
-                <a:effectLst/>
-                <a:latin typeface="Times New Roman" pitchFamily="18" charset="0"/>
-                <a:cs typeface="Times New Roman" pitchFamily="18" charset="0"/>
-              </a:rPr>
-              <a:t> </a:t>
-            </a:r>
-          </a:p>
-        </p:txBody>
-      </p:sp>
+            <a:pPr algn="just"/>
+            <a:r>
+              <a:rPr lang="ru-RU" sz="1600" dirty="0" smtClean="0">
+                <a:latin typeface="Times New Roman" pitchFamily="18" charset="0"/>
+                <a:cs typeface="Times New Roman" pitchFamily="18" charset="0"/>
+              </a:rPr>
+              <a:t>Все файлы проекта</a:t>
+            </a:r>
+            <a:endParaRPr lang="ru-RU" sz="1600" dirty="0"/>
+          </a:p>
+        </p:txBody>
+      </p:sp>
+      <p:cxnSp>
+        <p:nvCxnSpPr>
+          <p:cNvPr id="25" name="Прямая соединительная линия 24"/>
+          <p:cNvCxnSpPr/>
+          <p:nvPr/>
+        </p:nvCxnSpPr>
+        <p:spPr>
+          <a:xfrm rot="10800000">
+            <a:off x="6429388" y="2928934"/>
+            <a:ext cx="2500330" cy="4275"/>
+          </a:xfrm>
+          <a:prstGeom prst="line">
+            <a:avLst/>
+          </a:prstGeom>
+          <a:ln w="25400">
+            <a:solidFill>
+              <a:srgbClr val="FF0000"/>
+            </a:solidFill>
+          </a:ln>
+        </p:spPr>
+        <p:style>
+          <a:lnRef idx="1">
+            <a:schemeClr val="accent1"/>
+          </a:lnRef>
+          <a:fillRef idx="0">
+            <a:schemeClr val="accent1"/>
+          </a:fillRef>
+          <a:effectRef idx="0">
+            <a:schemeClr val="accent1"/>
+          </a:effectRef>
+          <a:fontRef idx="minor">
+            <a:schemeClr val="tx1"/>
+          </a:fontRef>
+        </p:style>
+      </p:cxnSp>
     </p:spTree>
   </p:cSld>
   <p:clrMapOvr>
@@ -7426,7 +8861,7 @@
         </p:nvCxnSpPr>
         <p:spPr>
           <a:xfrm rot="10800000">
-            <a:off x="5786446" y="1571612"/>
+            <a:off x="5857884" y="1281585"/>
             <a:ext cx="2500330" cy="4275"/>
           </a:xfrm>
           <a:prstGeom prst="line">
@@ -7461,8 +8896,8 @@
         </p:nvSpPr>
         <p:spPr>
           <a:xfrm>
-            <a:off x="5500694" y="928670"/>
-            <a:ext cx="3357586" cy="584775"/>
+            <a:off x="5857884" y="642918"/>
+            <a:ext cx="2786082" cy="584775"/>
           </a:xfrm>
           <a:prstGeom prst="rect">
             <a:avLst/>
@@ -7480,28 +8915,7 @@
                 <a:latin typeface="Times New Roman" pitchFamily="18" charset="0"/>
                 <a:cs typeface="Times New Roman" pitchFamily="18" charset="0"/>
               </a:rPr>
-              <a:t>Смена вкладок для переключения между работой с </a:t>
-            </a:r>
-            <a:r>
-              <a:rPr lang="en-US" sz="1600" dirty="0" err="1" smtClean="0">
-                <a:latin typeface="Times New Roman" pitchFamily="18" charset="0"/>
-                <a:cs typeface="Times New Roman" pitchFamily="18" charset="0"/>
-              </a:rPr>
-              <a:t>WinForms</a:t>
-            </a:r>
-            <a:r>
-              <a:rPr lang="en-US" sz="1600" dirty="0" smtClean="0">
-                <a:latin typeface="Times New Roman" pitchFamily="18" charset="0"/>
-                <a:cs typeface="Times New Roman" pitchFamily="18" charset="0"/>
-              </a:rPr>
-              <a:t> </a:t>
-            </a:r>
-            <a:r>
-              <a:rPr lang="ru-RU" sz="1600" dirty="0" smtClean="0">
-                <a:latin typeface="Times New Roman" pitchFamily="18" charset="0"/>
-                <a:cs typeface="Times New Roman" pitchFamily="18" charset="0"/>
-              </a:rPr>
-              <a:t>и кодом</a:t>
+              <a:t>Форма для создания графического интерфейса</a:t>
             </a:r>
             <a:endParaRPr lang="ru-RU" sz="1600" dirty="0"/>
           </a:p>
@@ -7509,7 +8923,7 @@
       </p:sp>
       <p:pic>
         <p:nvPicPr>
-          <p:cNvPr id="33796" name="Picture 4"/>
+          <p:cNvPr id="33795" name="Picture 3"/>
           <p:cNvPicPr>
             <a:picLocks noChangeAspect="1" noChangeArrowheads="1"/>
           </p:cNvPicPr>
@@ -7524,8 +8938,8 @@
         </p:blipFill>
         <p:spPr bwMode="auto">
           <a:xfrm>
-            <a:off x="428596" y="758926"/>
-            <a:ext cx="4097253" cy="6099074"/>
+            <a:off x="142844" y="642918"/>
+            <a:ext cx="3513437" cy="6215082"/>
           </a:xfrm>
           <a:prstGeom prst="rect">
             <a:avLst/>
@@ -7548,8 +8962,8 @@
         </p:nvSpPr>
         <p:spPr>
           <a:xfrm>
-            <a:off x="1857356" y="6357958"/>
-            <a:ext cx="1285884" cy="500042"/>
+            <a:off x="1500166" y="857232"/>
+            <a:ext cx="2286016" cy="2214578"/>
           </a:xfrm>
           <a:prstGeom prst="roundRect">
             <a:avLst/>
@@ -7595,9 +9009,9 @@
           <p:nvPr/>
         </p:nvCxnSpPr>
         <p:spPr>
-          <a:xfrm rot="5400000">
-            <a:off x="1946662" y="2768192"/>
-            <a:ext cx="5036365" cy="2643208"/>
+          <a:xfrm rot="10800000" flipV="1">
+            <a:off x="3786182" y="1285859"/>
+            <a:ext cx="2071702" cy="678661"/>
           </a:xfrm>
           <a:prstGeom prst="straightConnector1">
             <a:avLst/>
@@ -7626,14 +9040,14 @@
       </p:cxnSp>
       <p:sp>
         <p:nvSpPr>
-          <p:cNvPr id="18" name="Скругленный прямоугольник 17"/>
+          <p:cNvPr id="13" name="Скругленный прямоугольник 12"/>
           <p:cNvSpPr/>
           <p:nvPr/>
         </p:nvSpPr>
         <p:spPr>
           <a:xfrm>
-            <a:off x="357158" y="1428736"/>
-            <a:ext cx="1428760" cy="1000132"/>
+            <a:off x="71438" y="642918"/>
+            <a:ext cx="1357290" cy="5715040"/>
           </a:xfrm>
           <a:prstGeom prst="roundRect">
             <a:avLst/>
@@ -7670,9 +9084,113 @@
           </a:p>
         </p:txBody>
       </p:sp>
+      <p:cxnSp>
+        <p:nvCxnSpPr>
+          <p:cNvPr id="15" name="Прямая со стрелкой 14"/>
+          <p:cNvCxnSpPr/>
+          <p:nvPr/>
+        </p:nvCxnSpPr>
+        <p:spPr>
+          <a:xfrm rot="10800000" flipV="1">
+            <a:off x="1428728" y="2071677"/>
+            <a:ext cx="4143404" cy="3071833"/>
+          </a:xfrm>
+          <a:prstGeom prst="straightConnector1">
+            <a:avLst/>
+          </a:prstGeom>
+          <a:ln w="25400">
+            <a:solidFill>
+              <a:srgbClr val="FF0000"/>
+            </a:solidFill>
+            <a:tailEnd type="arrow"/>
+          </a:ln>
+        </p:spPr>
+        <p:style>
+          <a:lnRef idx="1">
+            <a:schemeClr val="accent1"/>
+          </a:lnRef>
+          <a:fillRef idx="0">
+            <a:schemeClr val="accent1"/>
+          </a:fillRef>
+          <a:effectRef idx="0">
+            <a:schemeClr val="accent1"/>
+          </a:effectRef>
+          <a:fontRef idx="minor">
+            <a:schemeClr val="tx1"/>
+          </a:fontRef>
+        </p:style>
+      </p:cxnSp>
+      <p:sp>
+        <p:nvSpPr>
+          <p:cNvPr id="18" name="Прямоугольник 17"/>
+          <p:cNvSpPr/>
+          <p:nvPr/>
+        </p:nvSpPr>
+        <p:spPr>
+          <a:xfrm>
+            <a:off x="5500694" y="1500174"/>
+            <a:ext cx="2786082" cy="584775"/>
+          </a:xfrm>
+          <a:prstGeom prst="rect">
+            <a:avLst/>
+          </a:prstGeom>
+        </p:spPr>
+        <p:txBody>
+          <a:bodyPr wrap="square">
+            <a:spAutoFit/>
+          </a:bodyPr>
+          <a:lstStyle/>
+          <a:p>
+            <a:pPr algn="just"/>
+            <a:r>
+              <a:rPr lang="ru-RU" sz="1600" dirty="0" smtClean="0">
+                <a:latin typeface="Times New Roman" pitchFamily="18" charset="0"/>
+                <a:cs typeface="Times New Roman" pitchFamily="18" charset="0"/>
+              </a:rPr>
+              <a:t>Возможные для размещения на форме элементы</a:t>
+            </a:r>
+            <a:endParaRPr lang="ru-RU" sz="1600" dirty="0"/>
+          </a:p>
+        </p:txBody>
+      </p:sp>
+      <p:cxnSp>
+        <p:nvCxnSpPr>
+          <p:cNvPr id="19" name="Прямая соединительная линия 18"/>
+          <p:cNvCxnSpPr/>
+          <p:nvPr/>
+        </p:nvCxnSpPr>
+        <p:spPr>
+          <a:xfrm rot="10800000">
+            <a:off x="5572132" y="2071678"/>
+            <a:ext cx="2500330" cy="4275"/>
+          </a:xfrm>
+          <a:prstGeom prst="line">
+            <a:avLst/>
+          </a:prstGeom>
+          <a:ln w="25400">
+            <a:solidFill>
+              <a:srgbClr val="FF0000"/>
+            </a:solidFill>
+          </a:ln>
+        </p:spPr>
+        <p:style>
+          <a:lnRef idx="1">
+            <a:schemeClr val="accent1"/>
+          </a:lnRef>
+          <a:fillRef idx="0">
+            <a:schemeClr val="accent1"/>
+          </a:fillRef>
+          <a:effectRef idx="0">
+            <a:schemeClr val="accent1"/>
+          </a:effectRef>
+          <a:fontRef idx="minor">
+            <a:schemeClr val="tx1"/>
+          </a:fontRef>
+        </p:style>
+      </p:cxnSp>
       <p:pic>
         <p:nvPicPr>
-          <p:cNvPr id="33798" name="Picture 6"/>
+          <p:cNvPr id="35842" name="Picture 2"/>
           <p:cNvPicPr>
             <a:picLocks noChangeAspect="1" noChangeArrowheads="1"/>
           </p:cNvPicPr>
@@ -7687,8 +9205,8 @@
         </p:blipFill>
         <p:spPr bwMode="auto">
           <a:xfrm>
-            <a:off x="0" y="4733925"/>
-            <a:ext cx="1838325" cy="2124075"/>
+            <a:off x="6357950" y="2364065"/>
+            <a:ext cx="1507312" cy="4493935"/>
           </a:xfrm>
           <a:prstGeom prst="rect">
             <a:avLst/>
@@ -7705,16 +9223,16 @@
       </p:pic>
       <p:cxnSp>
         <p:nvCxnSpPr>
-          <p:cNvPr id="21" name="Прямая со стрелкой 20"/>
+          <p:cNvPr id="22" name="Прямая со стрелкой 21"/>
           <p:cNvCxnSpPr>
-            <a:endCxn id="18" idx="3"/>
+            <a:endCxn id="35842" idx="1"/>
           </p:cNvCxnSpPr>
           <p:nvPr/>
         </p:nvCxnSpPr>
         <p:spPr>
-          <a:xfrm rot="10800000">
-            <a:off x="1785918" y="1928802"/>
-            <a:ext cx="4572032" cy="1000132"/>
+          <a:xfrm rot="16200000" flipH="1">
+            <a:off x="5409744" y="3662826"/>
+            <a:ext cx="967719" cy="928694"/>
           </a:xfrm>
           <a:prstGeom prst="straightConnector1">
             <a:avLst/>
@@ -7741,39 +9259,6 @@
           </a:fontRef>
         </p:style>
       </p:cxnSp>
-      <p:sp>
-        <p:nvSpPr>
-          <p:cNvPr id="24" name="Прямоугольник 23"/>
-          <p:cNvSpPr/>
-          <p:nvPr/>
-        </p:nvSpPr>
-        <p:spPr>
-          <a:xfrm>
-            <a:off x="6429388" y="2571744"/>
-            <a:ext cx="1928826" cy="338554"/>
-          </a:xfrm>
-          <a:prstGeom prst="rect">
-            <a:avLst/>
-          </a:prstGeom>
-        </p:spPr>
-        <p:txBody>
-          <a:bodyPr wrap="square">
-            <a:spAutoFit/>
-          </a:bodyPr>
-          <a:lstStyle/>
-          <a:p>
-            <a:pPr algn="just"/>
-            <a:r>
-              <a:rPr lang="ru-RU" sz="1600" dirty="0" smtClean="0">
-                <a:latin typeface="Times New Roman" pitchFamily="18" charset="0"/>
-                <a:cs typeface="Times New Roman" pitchFamily="18" charset="0"/>
-              </a:rPr>
-              <a:t>Все файлы проекта</a:t>
-            </a:r>
-            <a:endParaRPr lang="ru-RU" sz="1600" dirty="0"/>
-          </a:p>
-        </p:txBody>
-      </p:sp>
       <p:cxnSp>
         <p:nvCxnSpPr>
           <p:cNvPr id="25" name="Прямая соединительная линия 24"/>
@@ -7782,8 +9267,8 @@
         </p:nvCxnSpPr>
         <p:spPr>
           <a:xfrm rot="10800000">
-            <a:off x="6429388" y="2928934"/>
-            <a:ext cx="2500330" cy="4275"/>
+            <a:off x="4286248" y="3643314"/>
+            <a:ext cx="1152532" cy="13800"/>
           </a:xfrm>
           <a:prstGeom prst="line">
             <a:avLst/>
@@ -7809,6 +9294,53 @@
           </a:fontRef>
         </p:style>
       </p:cxnSp>
+      <p:sp>
+        <p:nvSpPr>
+          <p:cNvPr id="27" name="Прямоугольник 26"/>
+          <p:cNvSpPr/>
+          <p:nvPr/>
+        </p:nvSpPr>
+        <p:spPr>
+          <a:xfrm>
+            <a:off x="4357686" y="3643314"/>
+            <a:ext cx="1571636" cy="1323439"/>
+          </a:xfrm>
+          <a:prstGeom prst="rect">
+            <a:avLst/>
+          </a:prstGeom>
+        </p:spPr>
+        <p:txBody>
+          <a:bodyPr wrap="square">
+            <a:spAutoFit/>
+          </a:bodyPr>
+          <a:lstStyle/>
+          <a:p>
+            <a:pPr algn="just"/>
+            <a:r>
+              <a:rPr lang="ru-RU" sz="1600" dirty="0" smtClean="0">
+                <a:latin typeface="Times New Roman" pitchFamily="18" charset="0"/>
+                <a:cs typeface="Times New Roman" pitchFamily="18" charset="0"/>
+              </a:rPr>
+              <a:t>Свойства добавляемых элементов (правая панель) – </a:t>
+            </a:r>
+            <a:r>
+              <a:rPr lang="ru-RU" sz="1600" b="1" dirty="0" smtClean="0">
+                <a:latin typeface="Times New Roman" pitchFamily="18" charset="0"/>
+                <a:cs typeface="Times New Roman" pitchFamily="18" charset="0"/>
+              </a:rPr>
+              <a:t>клавиша </a:t>
+            </a:r>
+            <a:r>
+              <a:rPr lang="en-US" sz="1600" b="1" dirty="0" smtClean="0">
+                <a:latin typeface="Times New Roman" pitchFamily="18" charset="0"/>
+                <a:cs typeface="Times New Roman" pitchFamily="18" charset="0"/>
+              </a:rPr>
+              <a:t>F4</a:t>
+            </a:r>
+            <a:endParaRPr lang="ru-RU" sz="1600" b="1" dirty="0"/>
+          </a:p>
+        </p:txBody>
+      </p:sp>
     </p:spTree>
   </p:cSld>
   <p:clrMapOvr>
@@ -7853,13 +9385,13 @@
         </p:nvSpPr>
         <p:spPr>
           <a:xfrm>
-            <a:off x="428596" y="0"/>
+            <a:off x="428596" y="-285768"/>
             <a:ext cx="8229600" cy="1143000"/>
           </a:xfrm>
         </p:spPr>
         <p:txBody>
           <a:bodyPr>
-            <a:normAutofit fontScale="90000"/>
+            <a:normAutofit/>
           </a:bodyPr>
           <a:lstStyle/>
           <a:p>
@@ -7871,88 +9403,187 @@
               <a:rPr lang="en-US" b="1" dirty="0" smtClean="0"/>
               <a:t>2</a:t>
             </a:r>
-            <a:r>
-              <a:rPr lang="ru-RU" b="1" dirty="0" smtClean="0"/>
-              <a:t/>
-            </a:r>
-            <a:br>
-              <a:rPr lang="ru-RU" b="1" dirty="0" smtClean="0"/>
-            </a:br>
             <a:endParaRPr lang="ru-RU" dirty="0"/>
           </a:p>
         </p:txBody>
       </p:sp>
-      <p:cxnSp>
-        <p:nvCxnSpPr>
-          <p:cNvPr id="11" name="Прямая соединительная линия 10"/>
-          <p:cNvCxnSpPr/>
-          <p:nvPr/>
-        </p:nvCxnSpPr>
-        <p:spPr>
-          <a:xfrm rot="10800000">
-            <a:off x="5857884" y="1281585"/>
-            <a:ext cx="2500330" cy="4275"/>
-          </a:xfrm>
-          <a:prstGeom prst="line">
-            <a:avLst/>
-          </a:prstGeom>
-          <a:ln w="25400">
-            <a:solidFill>
-              <a:srgbClr val="FF0000"/>
-            </a:solidFill>
+      <p:sp>
+        <p:nvSpPr>
+          <p:cNvPr id="6" name="Rectangle 3"/>
+          <p:cNvSpPr>
+            <a:spLocks noChangeArrowheads="1"/>
+          </p:cNvSpPr>
+          <p:nvPr/>
+        </p:nvSpPr>
+        <p:spPr bwMode="auto">
+          <a:xfrm>
+            <a:off x="0" y="714356"/>
+            <a:ext cx="9144000" cy="707886"/>
+          </a:xfrm>
+          <a:prstGeom prst="rect">
+            <a:avLst/>
+          </a:prstGeom>
+          <a:solidFill>
+            <a:srgbClr val="F7F7FA"/>
+          </a:solidFill>
+          <a:ln w="9525">
+            <a:noFill/>
+            <a:miter lim="800000"/>
+            <a:headEnd/>
+            <a:tailEnd/>
           </a:ln>
-        </p:spPr>
-        <p:style>
-          <a:lnRef idx="1">
-            <a:schemeClr val="accent1"/>
-          </a:lnRef>
-          <a:fillRef idx="0">
-            <a:schemeClr val="accent1"/>
-          </a:fillRef>
-          <a:effectRef idx="0">
-            <a:schemeClr val="accent1"/>
-          </a:effectRef>
-          <a:fontRef idx="minor">
-            <a:schemeClr val="tx1"/>
-          </a:fontRef>
-        </p:style>
-      </p:cxnSp>
-      <p:sp>
-        <p:nvSpPr>
-          <p:cNvPr id="14" name="Прямоугольник 13"/>
-          <p:cNvSpPr/>
-          <p:nvPr/>
-        </p:nvSpPr>
-        <p:spPr>
-          <a:xfrm>
-            <a:off x="5857884" y="642918"/>
-            <a:ext cx="2786082" cy="584775"/>
-          </a:xfrm>
-          <a:prstGeom prst="rect">
-            <a:avLst/>
-          </a:prstGeom>
-        </p:spPr>
-        <p:txBody>
-          <a:bodyPr wrap="square">
+          <a:effectLst/>
+        </p:spPr>
+        <p:txBody>
+          <a:bodyPr vert="horz" wrap="square" lIns="91440" tIns="45720" rIns="91440" bIns="45720" numCol="1" anchor="ctr" anchorCtr="0" compatLnSpc="1">
+            <a:prstTxWarp prst="textNoShape">
+              <a:avLst/>
+            </a:prstTxWarp>
             <a:spAutoFit/>
           </a:bodyPr>
           <a:lstStyle/>
           <a:p>
-            <a:pPr algn="just"/>
-            <a:r>
-              <a:rPr lang="ru-RU" sz="1600" dirty="0" smtClean="0">
-                <a:latin typeface="Times New Roman" pitchFamily="18" charset="0"/>
-                <a:cs typeface="Times New Roman" pitchFamily="18" charset="0"/>
-              </a:rPr>
-              <a:t>Форма для создания графического интерфейса</a:t>
-            </a:r>
-            <a:endParaRPr lang="ru-RU" sz="1600" dirty="0"/>
+            <a:pPr marL="0" marR="0" lvl="0" indent="0" algn="just" defTabSz="914400" rtl="0" eaLnBrk="1" fontAlgn="base" latinLnBrk="0" hangingPunct="1">
+              <a:lnSpc>
+                <a:spcPct val="100000"/>
+              </a:lnSpc>
+              <a:spcBef>
+                <a:spcPct val="0"/>
+              </a:spcBef>
+              <a:spcAft>
+                <a:spcPct val="0"/>
+              </a:spcAft>
+              <a:buClrTx/>
+              <a:buSzTx/>
+              <a:buFontTx/>
+              <a:buNone/>
+              <a:tabLst/>
+            </a:pPr>
+            <a:r>
+              <a:rPr kumimoji="0" lang="ru-RU" sz="2000" b="0" i="0" u="none" strike="noStrike" cap="none" normalizeH="0" baseline="0" dirty="0" smtClean="0">
+                <a:ln>
+                  <a:noFill/>
+                </a:ln>
+                <a:solidFill>
+                  <a:srgbClr val="000000"/>
+                </a:solidFill>
+                <a:effectLst/>
+                <a:latin typeface="Times New Roman" pitchFamily="18" charset="0"/>
+                <a:cs typeface="Times New Roman" pitchFamily="18" charset="0"/>
+              </a:rPr>
+              <a:t>Можете создать два отдельных обработчика</a:t>
+            </a:r>
+            <a:r>
+              <a:rPr kumimoji="0" lang="en-US" sz="2000" b="0" i="0" u="none" strike="noStrike" cap="none" normalizeH="0" baseline="0" dirty="0" smtClean="0">
+                <a:ln>
+                  <a:noFill/>
+                </a:ln>
+                <a:solidFill>
+                  <a:srgbClr val="000000"/>
+                </a:solidFill>
+                <a:effectLst/>
+                <a:latin typeface="Times New Roman" pitchFamily="18" charset="0"/>
+                <a:cs typeface="Times New Roman" pitchFamily="18" charset="0"/>
+              </a:rPr>
+              <a:t> (</a:t>
+            </a:r>
+            <a:r>
+              <a:rPr kumimoji="0" lang="ru-RU" sz="2000" b="0" i="0" u="none" strike="noStrike" cap="none" normalizeH="0" baseline="0" dirty="0" smtClean="0">
+                <a:ln>
+                  <a:noFill/>
+                </a:ln>
+                <a:solidFill>
+                  <a:srgbClr val="000000"/>
+                </a:solidFill>
+                <a:effectLst/>
+                <a:latin typeface="Times New Roman" pitchFamily="18" charset="0"/>
+                <a:cs typeface="Times New Roman" pitchFamily="18" charset="0"/>
+              </a:rPr>
+              <a:t>двойной щелчок по </a:t>
+            </a:r>
+            <a:r>
+              <a:rPr lang="ru-RU" sz="2000" dirty="0" smtClean="0">
+                <a:solidFill>
+                  <a:srgbClr val="000000"/>
+                </a:solidFill>
+                <a:latin typeface="Times New Roman" pitchFamily="18" charset="0"/>
+                <a:cs typeface="Times New Roman" pitchFamily="18" charset="0"/>
+              </a:rPr>
+              <a:t>кнопке на редакторе</a:t>
+            </a:r>
+            <a:r>
+              <a:rPr kumimoji="0" lang="en-US" sz="2000" b="0" i="0" u="none" strike="noStrike" cap="none" normalizeH="0" baseline="0" dirty="0" smtClean="0">
+                <a:ln>
+                  <a:noFill/>
+                </a:ln>
+                <a:solidFill>
+                  <a:srgbClr val="000000"/>
+                </a:solidFill>
+                <a:effectLst/>
+                <a:latin typeface="Times New Roman" pitchFamily="18" charset="0"/>
+                <a:cs typeface="Times New Roman" pitchFamily="18" charset="0"/>
+              </a:rPr>
+              <a:t>)</a:t>
+            </a:r>
+            <a:r>
+              <a:rPr kumimoji="0" lang="ru-RU" sz="2000" b="0" i="0" u="none" strike="noStrike" cap="none" normalizeH="0" baseline="0" dirty="0" smtClean="0">
+                <a:ln>
+                  <a:noFill/>
+                </a:ln>
+                <a:solidFill>
+                  <a:srgbClr val="000000"/>
+                </a:solidFill>
+                <a:effectLst/>
+                <a:latin typeface="Times New Roman" pitchFamily="18" charset="0"/>
+                <a:cs typeface="Times New Roman" pitchFamily="18" charset="0"/>
+              </a:rPr>
+              <a:t> кнопок и прописать</a:t>
+            </a:r>
+            <a:r>
+              <a:rPr kumimoji="0" lang="ru-RU" sz="2000" b="0" i="0" u="none" strike="noStrike" cap="none" normalizeH="0" dirty="0" smtClean="0">
+                <a:ln>
+                  <a:noFill/>
+                </a:ln>
+                <a:solidFill>
+                  <a:srgbClr val="000000"/>
+                </a:solidFill>
+                <a:effectLst/>
+                <a:latin typeface="Times New Roman" pitchFamily="18" charset="0"/>
+                <a:cs typeface="Times New Roman" pitchFamily="18" charset="0"/>
+              </a:rPr>
+              <a:t> в них условия изменения </a:t>
+            </a:r>
+            <a:r>
+              <a:rPr kumimoji="0" lang="en-US" sz="2000" b="0" i="0" u="none" strike="noStrike" cap="none" normalizeH="0" dirty="0" smtClean="0">
+                <a:ln>
+                  <a:noFill/>
+                </a:ln>
+                <a:solidFill>
+                  <a:srgbClr val="000000"/>
+                </a:solidFill>
+                <a:effectLst/>
+                <a:latin typeface="Times New Roman" pitchFamily="18" charset="0"/>
+                <a:cs typeface="Times New Roman" pitchFamily="18" charset="0"/>
+              </a:rPr>
+              <a:t>Label</a:t>
+            </a:r>
+            <a:endParaRPr kumimoji="0" lang="ru-RU" sz="2000" b="0" i="0" u="none" strike="noStrike" cap="none" normalizeH="0" baseline="0" dirty="0" smtClean="0">
+              <a:ln>
+                <a:noFill/>
+              </a:ln>
+              <a:solidFill>
+                <a:schemeClr val="tx1"/>
+              </a:solidFill>
+              <a:effectLst/>
+              <a:latin typeface="Times New Roman" pitchFamily="18" charset="0"/>
+              <a:cs typeface="Times New Roman" pitchFamily="18" charset="0"/>
+            </a:endParaRPr>
           </a:p>
         </p:txBody>
       </p:sp>
       <p:pic>
         <p:nvPicPr>
-          <p:cNvPr id="33795" name="Picture 3"/>
+          <p:cNvPr id="7" name="Picture 2"/>
           <p:cNvPicPr>
             <a:picLocks noChangeAspect="1" noChangeArrowheads="1"/>
           </p:cNvPicPr>
@@ -7967,8 +9598,8 @@
         </p:blipFill>
         <p:spPr bwMode="auto">
           <a:xfrm>
-            <a:off x="142844" y="642918"/>
-            <a:ext cx="3513437" cy="6215082"/>
+            <a:off x="500034" y="2000240"/>
+            <a:ext cx="2924175" cy="2962275"/>
           </a:xfrm>
           <a:prstGeom prst="rect">
             <a:avLst/>
@@ -7983,243 +9614,9 @@
           <a:effectLst/>
         </p:spPr>
       </p:pic>
-      <p:sp>
-        <p:nvSpPr>
-          <p:cNvPr id="7" name="Скругленный прямоугольник 6"/>
-          <p:cNvSpPr/>
-          <p:nvPr/>
-        </p:nvSpPr>
-        <p:spPr>
-          <a:xfrm>
-            <a:off x="1500166" y="857232"/>
-            <a:ext cx="2286016" cy="2214578"/>
-          </a:xfrm>
-          <a:prstGeom prst="roundRect">
-            <a:avLst/>
-          </a:prstGeom>
-          <a:noFill/>
-          <a:ln>
-            <a:solidFill>
-              <a:srgbClr val="FF0000"/>
-            </a:solidFill>
-          </a:ln>
-        </p:spPr>
-        <p:style>
-          <a:lnRef idx="2">
-            <a:schemeClr val="accent1">
-              <a:shade val="50000"/>
-            </a:schemeClr>
-          </a:lnRef>
-          <a:fillRef idx="1">
-            <a:schemeClr val="accent1"/>
-          </a:fillRef>
-          <a:effectRef idx="0">
-            <a:schemeClr val="accent1"/>
-          </a:effectRef>
-          <a:fontRef idx="minor">
-            <a:schemeClr val="lt1"/>
-          </a:fontRef>
-        </p:style>
-        <p:txBody>
-          <a:bodyPr rtlCol="0" anchor="ctr"/>
-          <a:lstStyle/>
-          <a:p>
-            <a:pPr algn="ctr"/>
-            <a:endParaRPr lang="ru-RU"/>
-          </a:p>
-        </p:txBody>
-      </p:sp>
-      <p:cxnSp>
-        <p:nvCxnSpPr>
-          <p:cNvPr id="8" name="Прямая со стрелкой 7"/>
-          <p:cNvCxnSpPr>
-            <a:endCxn id="7" idx="3"/>
-          </p:cNvCxnSpPr>
-          <p:nvPr/>
-        </p:nvCxnSpPr>
-        <p:spPr>
-          <a:xfrm rot="10800000" flipV="1">
-            <a:off x="3786182" y="1285859"/>
-            <a:ext cx="2071702" cy="678661"/>
-          </a:xfrm>
-          <a:prstGeom prst="straightConnector1">
-            <a:avLst/>
-          </a:prstGeom>
-          <a:ln w="25400">
-            <a:solidFill>
-              <a:srgbClr val="FF0000"/>
-            </a:solidFill>
-            <a:tailEnd type="arrow"/>
-          </a:ln>
-        </p:spPr>
-        <p:style>
-          <a:lnRef idx="1">
-            <a:schemeClr val="accent1"/>
-          </a:lnRef>
-          <a:fillRef idx="0">
-            <a:schemeClr val="accent1"/>
-          </a:fillRef>
-          <a:effectRef idx="0">
-            <a:schemeClr val="accent1"/>
-          </a:effectRef>
-          <a:fontRef idx="minor">
-            <a:schemeClr val="tx1"/>
-          </a:fontRef>
-        </p:style>
-      </p:cxnSp>
-      <p:sp>
-        <p:nvSpPr>
-          <p:cNvPr id="13" name="Скругленный прямоугольник 12"/>
-          <p:cNvSpPr/>
-          <p:nvPr/>
-        </p:nvSpPr>
-        <p:spPr>
-          <a:xfrm>
-            <a:off x="71438" y="642918"/>
-            <a:ext cx="1357290" cy="5715040"/>
-          </a:xfrm>
-          <a:prstGeom prst="roundRect">
-            <a:avLst/>
-          </a:prstGeom>
-          <a:noFill/>
-          <a:ln>
-            <a:solidFill>
-              <a:srgbClr val="FF0000"/>
-            </a:solidFill>
-          </a:ln>
-        </p:spPr>
-        <p:style>
-          <a:lnRef idx="2">
-            <a:schemeClr val="accent1">
-              <a:shade val="50000"/>
-            </a:schemeClr>
-          </a:lnRef>
-          <a:fillRef idx="1">
-            <a:schemeClr val="accent1"/>
-          </a:fillRef>
-          <a:effectRef idx="0">
-            <a:schemeClr val="accent1"/>
-          </a:effectRef>
-          <a:fontRef idx="minor">
-            <a:schemeClr val="lt1"/>
-          </a:fontRef>
-        </p:style>
-        <p:txBody>
-          <a:bodyPr rtlCol="0" anchor="ctr"/>
-          <a:lstStyle/>
-          <a:p>
-            <a:pPr algn="ctr"/>
-            <a:endParaRPr lang="ru-RU"/>
-          </a:p>
-        </p:txBody>
-      </p:sp>
-      <p:cxnSp>
-        <p:nvCxnSpPr>
-          <p:cNvPr id="15" name="Прямая со стрелкой 14"/>
-          <p:cNvCxnSpPr/>
-          <p:nvPr/>
-        </p:nvCxnSpPr>
-        <p:spPr>
-          <a:xfrm rot="10800000" flipV="1">
-            <a:off x="1428728" y="2071677"/>
-            <a:ext cx="4143404" cy="3071833"/>
-          </a:xfrm>
-          <a:prstGeom prst="straightConnector1">
-            <a:avLst/>
-          </a:prstGeom>
-          <a:ln w="25400">
-            <a:solidFill>
-              <a:srgbClr val="FF0000"/>
-            </a:solidFill>
-            <a:tailEnd type="arrow"/>
-          </a:ln>
-        </p:spPr>
-        <p:style>
-          <a:lnRef idx="1">
-            <a:schemeClr val="accent1"/>
-          </a:lnRef>
-          <a:fillRef idx="0">
-            <a:schemeClr val="accent1"/>
-          </a:fillRef>
-          <a:effectRef idx="0">
-            <a:schemeClr val="accent1"/>
-          </a:effectRef>
-          <a:fontRef idx="minor">
-            <a:schemeClr val="tx1"/>
-          </a:fontRef>
-        </p:style>
-      </p:cxnSp>
-      <p:sp>
-        <p:nvSpPr>
-          <p:cNvPr id="18" name="Прямоугольник 17"/>
-          <p:cNvSpPr/>
-          <p:nvPr/>
-        </p:nvSpPr>
-        <p:spPr>
-          <a:xfrm>
-            <a:off x="5500694" y="1500174"/>
-            <a:ext cx="2786082" cy="584775"/>
-          </a:xfrm>
-          <a:prstGeom prst="rect">
-            <a:avLst/>
-          </a:prstGeom>
-        </p:spPr>
-        <p:txBody>
-          <a:bodyPr wrap="square">
-            <a:spAutoFit/>
-          </a:bodyPr>
-          <a:lstStyle/>
-          <a:p>
-            <a:pPr algn="just"/>
-            <a:r>
-              <a:rPr lang="ru-RU" sz="1600" dirty="0" smtClean="0">
-                <a:latin typeface="Times New Roman" pitchFamily="18" charset="0"/>
-                <a:cs typeface="Times New Roman" pitchFamily="18" charset="0"/>
-              </a:rPr>
-              <a:t>Возможные для размещения на форме элементы</a:t>
-            </a:r>
-            <a:endParaRPr lang="ru-RU" sz="1600" dirty="0"/>
-          </a:p>
-        </p:txBody>
-      </p:sp>
-      <p:cxnSp>
-        <p:nvCxnSpPr>
-          <p:cNvPr id="19" name="Прямая соединительная линия 18"/>
-          <p:cNvCxnSpPr/>
-          <p:nvPr/>
-        </p:nvCxnSpPr>
-        <p:spPr>
-          <a:xfrm rot="10800000">
-            <a:off x="5572132" y="2071678"/>
-            <a:ext cx="2500330" cy="4275"/>
-          </a:xfrm>
-          <a:prstGeom prst="line">
-            <a:avLst/>
-          </a:prstGeom>
-          <a:ln w="25400">
-            <a:solidFill>
-              <a:srgbClr val="FF0000"/>
-            </a:solidFill>
-          </a:ln>
-        </p:spPr>
-        <p:style>
-          <a:lnRef idx="1">
-            <a:schemeClr val="accent1"/>
-          </a:lnRef>
-          <a:fillRef idx="0">
-            <a:schemeClr val="accent1"/>
-          </a:fillRef>
-          <a:effectRef idx="0">
-            <a:schemeClr val="accent1"/>
-          </a:effectRef>
-          <a:fontRef idx="minor">
-            <a:schemeClr val="tx1"/>
-          </a:fontRef>
-        </p:style>
-      </p:cxnSp>
       <p:pic>
         <p:nvPicPr>
-          <p:cNvPr id="35842" name="Picture 2"/>
+          <p:cNvPr id="8" name="Picture 3"/>
           <p:cNvPicPr>
             <a:picLocks noChangeAspect="1" noChangeArrowheads="1"/>
           </p:cNvPicPr>
@@ -8234,8 +9631,8 @@
         </p:blipFill>
         <p:spPr bwMode="auto">
           <a:xfrm>
-            <a:off x="6357950" y="2364065"/>
-            <a:ext cx="1507312" cy="4493935"/>
+            <a:off x="5080025" y="1500174"/>
+            <a:ext cx="3556160" cy="5000636"/>
           </a:xfrm>
           <a:prstGeom prst="rect">
             <a:avLst/>
@@ -8250,18 +9647,64 @@
           <a:effectLst/>
         </p:spPr>
       </p:pic>
+      <p:sp>
+        <p:nvSpPr>
+          <p:cNvPr id="9" name="Скругленный прямоугольник 8"/>
+          <p:cNvSpPr/>
+          <p:nvPr/>
+        </p:nvSpPr>
+        <p:spPr>
+          <a:xfrm>
+            <a:off x="857224" y="2428868"/>
+            <a:ext cx="2071702" cy="1785950"/>
+          </a:xfrm>
+          <a:prstGeom prst="roundRect">
+            <a:avLst/>
+          </a:prstGeom>
+          <a:noFill/>
+          <a:ln>
+            <a:solidFill>
+              <a:srgbClr val="FF0000"/>
+            </a:solidFill>
+          </a:ln>
+        </p:spPr>
+        <p:style>
+          <a:lnRef idx="2">
+            <a:schemeClr val="accent1">
+              <a:shade val="50000"/>
+            </a:schemeClr>
+          </a:lnRef>
+          <a:fillRef idx="1">
+            <a:schemeClr val="accent1"/>
+          </a:fillRef>
+          <a:effectRef idx="0">
+            <a:schemeClr val="accent1"/>
+          </a:effectRef>
+          <a:fontRef idx="minor">
+            <a:schemeClr val="lt1"/>
+          </a:fontRef>
+        </p:style>
+        <p:txBody>
+          <a:bodyPr rtlCol="0" anchor="ctr"/>
+          <a:lstStyle/>
+          <a:p>
+            <a:pPr algn="ctr"/>
+            <a:endParaRPr lang="ru-RU"/>
+          </a:p>
+        </p:txBody>
+      </p:sp>
       <p:cxnSp>
         <p:nvCxnSpPr>
-          <p:cNvPr id="22" name="Прямая со стрелкой 21"/>
+          <p:cNvPr id="10" name="Прямая со стрелкой 9"/>
           <p:cNvCxnSpPr>
-            <a:endCxn id="35842" idx="1"/>
+            <a:endCxn id="9" idx="0"/>
           </p:cNvCxnSpPr>
           <p:nvPr/>
         </p:nvCxnSpPr>
         <p:spPr>
           <a:xfrm rot="16200000" flipH="1">
-            <a:off x="5409744" y="3662826"/>
-            <a:ext cx="967719" cy="928694"/>
+            <a:off x="1267994" y="1803787"/>
+            <a:ext cx="642940" cy="607221"/>
           </a:xfrm>
           <a:prstGeom prst="straightConnector1">
             <a:avLst/>
@@ -8290,14 +9733,14 @@
       </p:cxnSp>
       <p:cxnSp>
         <p:nvCxnSpPr>
-          <p:cNvPr id="25" name="Прямая соединительная линия 24"/>
+          <p:cNvPr id="11" name="Прямая соединительная линия 10"/>
           <p:cNvCxnSpPr/>
           <p:nvPr/>
         </p:nvCxnSpPr>
         <p:spPr>
           <a:xfrm rot="10800000">
-            <a:off x="4286248" y="3643314"/>
-            <a:ext cx="1152532" cy="13800"/>
+            <a:off x="1285852" y="1785926"/>
+            <a:ext cx="2500330" cy="4275"/>
           </a:xfrm>
           <a:prstGeom prst="line">
             <a:avLst/>
@@ -8325,14 +9768,14 @@
       </p:cxnSp>
       <p:sp>
         <p:nvSpPr>
-          <p:cNvPr id="27" name="Прямоугольник 26"/>
+          <p:cNvPr id="13" name="Прямоугольник 12"/>
           <p:cNvSpPr/>
           <p:nvPr/>
         </p:nvSpPr>
         <p:spPr>
           <a:xfrm>
-            <a:off x="4357686" y="3643314"/>
-            <a:ext cx="1571636" cy="1323439"/>
+            <a:off x="1714480" y="1428736"/>
+            <a:ext cx="1714512" cy="338554"/>
           </a:xfrm>
           <a:prstGeom prst="rect">
             <a:avLst/>
@@ -8350,23 +9793,94 @@
                 <a:latin typeface="Times New Roman" pitchFamily="18" charset="0"/>
                 <a:cs typeface="Times New Roman" pitchFamily="18" charset="0"/>
               </a:rPr>
-              <a:t>Свойства добавляемых элементов (правая панель) – </a:t>
-            </a:r>
-            <a:r>
-              <a:rPr lang="ru-RU" sz="1600" b="1" dirty="0" smtClean="0">
-                <a:latin typeface="Times New Roman" pitchFamily="18" charset="0"/>
-                <a:cs typeface="Times New Roman" pitchFamily="18" charset="0"/>
-              </a:rPr>
-              <a:t>клавиша </a:t>
-            </a:r>
-            <a:r>
-              <a:rPr lang="en-US" sz="1600" b="1" dirty="0" smtClean="0">
-                <a:latin typeface="Times New Roman" pitchFamily="18" charset="0"/>
-                <a:cs typeface="Times New Roman" pitchFamily="18" charset="0"/>
-              </a:rPr>
-              <a:t>F4</a:t>
-            </a:r>
-            <a:endParaRPr lang="ru-RU" sz="1600" b="1" dirty="0"/>
+              <a:t>Двойной щелчок</a:t>
+            </a:r>
+            <a:endParaRPr lang="ru-RU" sz="1600" dirty="0"/>
+          </a:p>
+        </p:txBody>
+      </p:sp>
+      <p:cxnSp>
+        <p:nvCxnSpPr>
+          <p:cNvPr id="14" name="Прямая со стрелкой 13"/>
+          <p:cNvCxnSpPr>
+            <a:stCxn id="9" idx="3"/>
+            <a:endCxn id="15" idx="1"/>
+          </p:cNvCxnSpPr>
+          <p:nvPr/>
+        </p:nvCxnSpPr>
+        <p:spPr>
+          <a:xfrm>
+            <a:off x="2928926" y="3321843"/>
+            <a:ext cx="2571768" cy="2357454"/>
+          </a:xfrm>
+          <a:prstGeom prst="straightConnector1">
+            <a:avLst/>
+          </a:prstGeom>
+          <a:ln w="25400">
+            <a:solidFill>
+              <a:srgbClr val="FF0000"/>
+            </a:solidFill>
+            <a:tailEnd type="arrow"/>
+          </a:ln>
+        </p:spPr>
+        <p:style>
+          <a:lnRef idx="1">
+            <a:schemeClr val="accent1"/>
+          </a:lnRef>
+          <a:fillRef idx="0">
+            <a:schemeClr val="accent1"/>
+          </a:fillRef>
+          <a:effectRef idx="0">
+            <a:schemeClr val="accent1"/>
+          </a:effectRef>
+          <a:fontRef idx="minor">
+            <a:schemeClr val="tx1"/>
+          </a:fontRef>
+        </p:style>
+      </p:cxnSp>
+      <p:sp>
+        <p:nvSpPr>
+          <p:cNvPr id="15" name="Скругленный прямоугольник 14"/>
+          <p:cNvSpPr/>
+          <p:nvPr/>
+        </p:nvSpPr>
+        <p:spPr>
+          <a:xfrm>
+            <a:off x="5500694" y="5357826"/>
+            <a:ext cx="3000396" cy="642942"/>
+          </a:xfrm>
+          <a:prstGeom prst="roundRect">
+            <a:avLst/>
+          </a:prstGeom>
+          <a:noFill/>
+          <a:ln>
+            <a:solidFill>
+              <a:srgbClr val="FF0000"/>
+            </a:solidFill>
+          </a:ln>
+        </p:spPr>
+        <p:style>
+          <a:lnRef idx="2">
+            <a:schemeClr val="accent1">
+              <a:shade val="50000"/>
+            </a:schemeClr>
+          </a:lnRef>
+          <a:fillRef idx="1">
+            <a:schemeClr val="accent1"/>
+          </a:fillRef>
+          <a:effectRef idx="0">
+            <a:schemeClr val="accent1"/>
+          </a:effectRef>
+          <a:fontRef idx="minor">
+            <a:schemeClr val="lt1"/>
+          </a:fontRef>
+        </p:style>
+        <p:txBody>
+          <a:bodyPr rtlCol="0" anchor="ctr"/>
+          <a:lstStyle/>
+          <a:p>
+            <a:pPr algn="ctr"/>
+            <a:endParaRPr lang="ru-RU"/>
           </a:p>
         </p:txBody>
       </p:sp>

--- a/sharp/1 Знакомство.pptx
+++ b/sharp/1 Знакомство.pptx
@@ -206,7 +206,7 @@
             <a:fld id="{D42B9B73-3143-4350-BBED-DEE082F6FAFE}" type="datetimeFigureOut">
               <a:rPr lang="ru-RU" smtClean="0"/>
               <a:pPr/>
-              <a:t>24.02.2026</a:t>
+              <a:t>26.02.2026</a:t>
             </a:fld>
             <a:endParaRPr lang="ru-RU"/>
           </a:p>
@@ -736,7 +736,7 @@
             <a:fld id="{0FF7147C-2AAC-473E-AD87-1A0FFEE67DAA}" type="datetimeFigureOut">
               <a:rPr lang="ru-RU" smtClean="0"/>
               <a:pPr/>
-              <a:t>24.02.2026</a:t>
+              <a:t>26.02.2026</a:t>
             </a:fld>
             <a:endParaRPr lang="ru-RU"/>
           </a:p>
@@ -903,7 +903,7 @@
             <a:fld id="{0FF7147C-2AAC-473E-AD87-1A0FFEE67DAA}" type="datetimeFigureOut">
               <a:rPr lang="ru-RU" smtClean="0"/>
               <a:pPr/>
-              <a:t>24.02.2026</a:t>
+              <a:t>26.02.2026</a:t>
             </a:fld>
             <a:endParaRPr lang="ru-RU"/>
           </a:p>
@@ -1080,7 +1080,7 @@
             <a:fld id="{0FF7147C-2AAC-473E-AD87-1A0FFEE67DAA}" type="datetimeFigureOut">
               <a:rPr lang="ru-RU" smtClean="0"/>
               <a:pPr/>
-              <a:t>24.02.2026</a:t>
+              <a:t>26.02.2026</a:t>
             </a:fld>
             <a:endParaRPr lang="ru-RU"/>
           </a:p>
@@ -1247,7 +1247,7 @@
             <a:fld id="{0FF7147C-2AAC-473E-AD87-1A0FFEE67DAA}" type="datetimeFigureOut">
               <a:rPr lang="ru-RU" smtClean="0"/>
               <a:pPr/>
-              <a:t>24.02.2026</a:t>
+              <a:t>26.02.2026</a:t>
             </a:fld>
             <a:endParaRPr lang="ru-RU"/>
           </a:p>
@@ -1490,7 +1490,7 @@
             <a:fld id="{0FF7147C-2AAC-473E-AD87-1A0FFEE67DAA}" type="datetimeFigureOut">
               <a:rPr lang="ru-RU" smtClean="0"/>
               <a:pPr/>
-              <a:t>24.02.2026</a:t>
+              <a:t>26.02.2026</a:t>
             </a:fld>
             <a:endParaRPr lang="ru-RU"/>
           </a:p>
@@ -1775,7 +1775,7 @@
             <a:fld id="{0FF7147C-2AAC-473E-AD87-1A0FFEE67DAA}" type="datetimeFigureOut">
               <a:rPr lang="ru-RU" smtClean="0"/>
               <a:pPr/>
-              <a:t>24.02.2026</a:t>
+              <a:t>26.02.2026</a:t>
             </a:fld>
             <a:endParaRPr lang="ru-RU"/>
           </a:p>
@@ -2194,7 +2194,7 @@
             <a:fld id="{0FF7147C-2AAC-473E-AD87-1A0FFEE67DAA}" type="datetimeFigureOut">
               <a:rPr lang="ru-RU" smtClean="0"/>
               <a:pPr/>
-              <a:t>24.02.2026</a:t>
+              <a:t>26.02.2026</a:t>
             </a:fld>
             <a:endParaRPr lang="ru-RU"/>
           </a:p>
@@ -2309,7 +2309,7 @@
             <a:fld id="{0FF7147C-2AAC-473E-AD87-1A0FFEE67DAA}" type="datetimeFigureOut">
               <a:rPr lang="ru-RU" smtClean="0"/>
               <a:pPr/>
-              <a:t>24.02.2026</a:t>
+              <a:t>26.02.2026</a:t>
             </a:fld>
             <a:endParaRPr lang="ru-RU"/>
           </a:p>
@@ -2401,7 +2401,7 @@
             <a:fld id="{0FF7147C-2AAC-473E-AD87-1A0FFEE67DAA}" type="datetimeFigureOut">
               <a:rPr lang="ru-RU" smtClean="0"/>
               <a:pPr/>
-              <a:t>24.02.2026</a:t>
+              <a:t>26.02.2026</a:t>
             </a:fld>
             <a:endParaRPr lang="ru-RU"/>
           </a:p>
@@ -2675,7 +2675,7 @@
             <a:fld id="{0FF7147C-2AAC-473E-AD87-1A0FFEE67DAA}" type="datetimeFigureOut">
               <a:rPr lang="ru-RU" smtClean="0"/>
               <a:pPr/>
-              <a:t>24.02.2026</a:t>
+              <a:t>26.02.2026</a:t>
             </a:fld>
             <a:endParaRPr lang="ru-RU"/>
           </a:p>
@@ -2925,7 +2925,7 @@
             <a:fld id="{0FF7147C-2AAC-473E-AD87-1A0FFEE67DAA}" type="datetimeFigureOut">
               <a:rPr lang="ru-RU" smtClean="0"/>
               <a:pPr/>
-              <a:t>24.02.2026</a:t>
+              <a:t>26.02.2026</a:t>
             </a:fld>
             <a:endParaRPr lang="ru-RU"/>
           </a:p>
@@ -3135,7 +3135,7 @@
             <a:fld id="{0FF7147C-2AAC-473E-AD87-1A0FFEE67DAA}" type="datetimeFigureOut">
               <a:rPr lang="ru-RU" smtClean="0"/>
               <a:pPr/>
-              <a:t>24.02.2026</a:t>
+              <a:t>26.02.2026</a:t>
             </a:fld>
             <a:endParaRPr lang="ru-RU"/>
           </a:p>
@@ -3685,7 +3685,21 @@
                 <a:latin typeface="Times New Roman" pitchFamily="18" charset="0"/>
                 <a:cs typeface="Times New Roman" pitchFamily="18" charset="0"/>
               </a:rPr>
-              <a:t>А можете создать общий обработчик для двух кнопок и назначить</a:t>
+              <a:t>Можно </a:t>
+            </a:r>
+            <a:r>
+              <a:rPr kumimoji="0" lang="ru-RU" sz="2000" b="0" i="0" u="none" strike="noStrike" cap="none" normalizeH="0" baseline="0" dirty="0" smtClean="0">
+                <a:ln>
+                  <a:noFill/>
+                </a:ln>
+                <a:solidFill>
+                  <a:srgbClr val="000000"/>
+                </a:solidFill>
+                <a:effectLst/>
+                <a:latin typeface="Times New Roman" pitchFamily="18" charset="0"/>
+                <a:cs typeface="Times New Roman" pitchFamily="18" charset="0"/>
+              </a:rPr>
+              <a:t>создать общий обработчик для двух кнопок и назначить</a:t>
             </a:r>
             <a:r>
               <a:rPr kumimoji="0" lang="ru-RU" sz="2000" b="0" i="0" u="none" strike="noStrike" cap="none" normalizeH="0" dirty="0" smtClean="0">
@@ -4909,7 +4923,7 @@
         <p:spPr>
           <a:xfrm>
             <a:off x="4857752" y="3357562"/>
-            <a:ext cx="4286248" cy="523220"/>
+            <a:ext cx="4286248" cy="1169551"/>
           </a:xfrm>
           <a:prstGeom prst="rect">
             <a:avLst/>
@@ -4985,7 +4999,59 @@
               </a:rPr>
               <a:t>)</a:t>
             </a:r>
-            <a:endParaRPr lang="ru-RU" sz="1400" dirty="0"/>
+            <a:endParaRPr lang="ru-RU" sz="1400" dirty="0" smtClean="0">
+              <a:latin typeface="Times New Roman" pitchFamily="18" charset="0"/>
+              <a:cs typeface="Times New Roman" pitchFamily="18" charset="0"/>
+            </a:endParaRPr>
+          </a:p>
+          <a:p>
+            <a:pPr algn="ctr"/>
+            <a:r>
+              <a:rPr lang="ru-RU" sz="1400" dirty="0" smtClean="0">
+                <a:latin typeface="Times New Roman" pitchFamily="18" charset="0"/>
+                <a:cs typeface="Times New Roman" pitchFamily="18" charset="0"/>
+              </a:rPr>
+              <a:t>Присваивание функции</a:t>
+            </a:r>
+            <a:endParaRPr lang="en-US" sz="1400" dirty="0" smtClean="0">
+              <a:latin typeface="Times New Roman" pitchFamily="18" charset="0"/>
+              <a:cs typeface="Times New Roman" pitchFamily="18" charset="0"/>
+            </a:endParaRPr>
+          </a:p>
+          <a:p>
+            <a:pPr algn="ctr"/>
+            <a:r>
+              <a:rPr lang="en-US" sz="1400" b="1" dirty="0" smtClean="0">
+                <a:latin typeface="Times New Roman" pitchFamily="18" charset="0"/>
+                <a:cs typeface="Times New Roman" pitchFamily="18" charset="0"/>
+              </a:rPr>
+              <a:t>rb1.CheckedChanged </a:t>
+            </a:r>
+            <a:r>
+              <a:rPr lang="en-US" sz="1400" b="1" dirty="0" smtClean="0">
+                <a:latin typeface="Times New Roman" pitchFamily="18" charset="0"/>
+                <a:cs typeface="Times New Roman" pitchFamily="18" charset="0"/>
+              </a:rPr>
+              <a:t>+= </a:t>
+            </a:r>
+            <a:r>
+              <a:rPr lang="en-US" sz="1400" b="1" dirty="0" err="1" smtClean="0">
+                <a:latin typeface="Times New Roman" pitchFamily="18" charset="0"/>
+                <a:cs typeface="Times New Roman" pitchFamily="18" charset="0"/>
+              </a:rPr>
+              <a:t>RadioButton_CheckedChanged</a:t>
+            </a:r>
+            <a:r>
+              <a:rPr lang="en-US" sz="1400" b="1" dirty="0" smtClean="0">
+                <a:latin typeface="Times New Roman" pitchFamily="18" charset="0"/>
+                <a:cs typeface="Times New Roman" pitchFamily="18" charset="0"/>
+              </a:rPr>
+              <a:t>;</a:t>
+            </a:r>
+            <a:endParaRPr lang="ru-RU" sz="1400" b="1" dirty="0">
+              <a:latin typeface="Times New Roman" pitchFamily="18" charset="0"/>
+              <a:cs typeface="Times New Roman" pitchFamily="18" charset="0"/>
+            </a:endParaRPr>
           </a:p>
         </p:txBody>
       </p:sp>
@@ -5852,11 +5918,7 @@
             </a:r>
             <a:r>
               <a:rPr lang="en-US" b="1" dirty="0" smtClean="0"/>
-              <a:t> </a:t>
-            </a:r>
-            <a:r>
-              <a:rPr lang="en-US" b="1" dirty="0" smtClean="0"/>
-              <a:t>(</a:t>
+              <a:t> (</a:t>
             </a:r>
             <a:r>
               <a:rPr lang="ru-RU" b="1" dirty="0" smtClean="0"/>
@@ -8188,15 +8250,7 @@
           <a:p>
             <a:r>
               <a:rPr lang="ru-RU" b="1" dirty="0" smtClean="0"/>
-              <a:t>Задание </a:t>
-            </a:r>
-            <a:r>
-              <a:rPr lang="ru-RU" b="1" dirty="0" smtClean="0"/>
-              <a:t>1</a:t>
-            </a:r>
-            <a:r>
-              <a:rPr lang="ru-RU" b="1" dirty="0" smtClean="0"/>
-              <a:t/>
+              <a:t>Задание 1</a:t>
             </a:r>
             <a:br>
               <a:rPr lang="ru-RU" b="1" dirty="0" smtClean="0"/>
